--- a/Pre/游戏展示.pptx
+++ b/Pre/游戏展示.pptx
@@ -5,20 +5,20 @@
     <p:sldMasterId id="2147483648" r:id="rId1"/>
   </p:sldMasterIdLst>
   <p:notesMasterIdLst>
-    <p:notesMasterId r:id="rId13"/>
+    <p:notesMasterId r:id="rId7"/>
   </p:notesMasterIdLst>
   <p:sldIdLst>
-    <p:sldId id="256" r:id="rId2"/>
-    <p:sldId id="257" r:id="rId3"/>
-    <p:sldId id="258" r:id="rId4"/>
-    <p:sldId id="259" r:id="rId5"/>
-    <p:sldId id="260" r:id="rId6"/>
-    <p:sldId id="261" r:id="rId7"/>
-    <p:sldId id="262" r:id="rId8"/>
-    <p:sldId id="263" r:id="rId9"/>
-    <p:sldId id="265" r:id="rId10"/>
-    <p:sldId id="264" r:id="rId11"/>
-    <p:sldId id="267" r:id="rId12"/>
+    <p:sldId id="256" r:id="rId3"/>
+    <p:sldId id="257" r:id="rId4"/>
+    <p:sldId id="258" r:id="rId5"/>
+    <p:sldId id="259" r:id="rId6"/>
+    <p:sldId id="260" r:id="rId8"/>
+    <p:sldId id="261" r:id="rId9"/>
+    <p:sldId id="262" r:id="rId10"/>
+    <p:sldId id="263" r:id="rId11"/>
+    <p:sldId id="265" r:id="rId12"/>
+    <p:sldId id="264" r:id="rId13"/>
+    <p:sldId id="267" r:id="rId14"/>
   </p:sldIdLst>
   <p:sldSz cx="12192000" cy="6858000"/>
   <p:notesSz cx="6858000" cy="9144000"/>
@@ -202,7 +202,6 @@
           <a:p>
             <a:fld id="{6C7F8620-7B03-1549-A6F9-433B3A879991}" type="datetimeFigureOut">
               <a:rPr kumimoji="1" lang="zh-CN" altLang="en-US" smtClean="0"/>
-              <a:t>2019/11/19</a:t>
             </a:fld>
             <a:endParaRPr kumimoji="1" lang="zh-CN" altLang="en-US"/>
           </a:p>
@@ -269,6 +268,7 @@
               <a:rPr kumimoji="1" lang="zh-CN" altLang="en-US"/>
               <a:t>单击此处编辑母版文本样式</a:t>
             </a:r>
+            <a:endParaRPr kumimoji="1" lang="zh-CN" altLang="en-US"/>
           </a:p>
           <a:p>
             <a:pPr lvl="1"/>
@@ -276,6 +276,7 @@
               <a:rPr kumimoji="1" lang="zh-CN" altLang="en-US"/>
               <a:t>二级</a:t>
             </a:r>
+            <a:endParaRPr kumimoji="1" lang="zh-CN" altLang="en-US"/>
           </a:p>
           <a:p>
             <a:pPr lvl="2"/>
@@ -283,6 +284,7 @@
               <a:rPr kumimoji="1" lang="zh-CN" altLang="en-US"/>
               <a:t>三级</a:t>
             </a:r>
+            <a:endParaRPr kumimoji="1" lang="zh-CN" altLang="en-US"/>
           </a:p>
           <a:p>
             <a:pPr lvl="3"/>
@@ -290,6 +292,7 @@
               <a:rPr kumimoji="1" lang="zh-CN" altLang="en-US"/>
               <a:t>四级</a:t>
             </a:r>
+            <a:endParaRPr kumimoji="1" lang="zh-CN" altLang="en-US"/>
           </a:p>
           <a:p>
             <a:pPr lvl="4"/>
@@ -297,6 +300,7 @@
               <a:rPr kumimoji="1" lang="zh-CN" altLang="en-US"/>
               <a:t>五级</a:t>
             </a:r>
+            <a:endParaRPr kumimoji="1" lang="zh-CN" altLang="en-US"/>
           </a:p>
         </p:txBody>
       </p:sp>
@@ -360,18 +364,12 @@
           <a:p>
             <a:fld id="{62846E98-2AF4-F548-AC23-1389A5902C12}" type="slidenum">
               <a:rPr kumimoji="1" lang="zh-CN" altLang="en-US" smtClean="0"/>
-              <a:t>‹#›</a:t>
             </a:fld>
             <a:endParaRPr kumimoji="1" lang="zh-CN" altLang="en-US"/>
           </a:p>
         </p:txBody>
       </p:sp>
     </p:spTree>
-    <p:extLst>
-      <p:ext uri="{BB962C8B-B14F-4D97-AF65-F5344CB8AC3E}">
-        <p14:creationId xmlns:p14="http://schemas.microsoft.com/office/powerpoint/2010/main" val="1513588856"/>
-      </p:ext>
-    </p:extLst>
   </p:cSld>
   <p:clrMap bg1="lt1" tx1="dk1" bg2="lt2" tx2="dk2" accent1="accent1" accent2="accent2" accent3="accent3" accent4="accent4" accent5="accent5" accent6="accent6" hlink="hlink" folHlink="folHlink"/>
   <p:notesStyle>
@@ -542,18 +540,12 @@
           <a:p>
             <a:fld id="{62846E98-2AF4-F548-AC23-1389A5902C12}" type="slidenum">
               <a:rPr kumimoji="1" lang="zh-CN" altLang="en-US" smtClean="0"/>
-              <a:t>4</a:t>
             </a:fld>
             <a:endParaRPr kumimoji="1" lang="zh-CN" altLang="en-US"/>
           </a:p>
         </p:txBody>
       </p:sp>
     </p:spTree>
-    <p:extLst>
-      <p:ext uri="{BB962C8B-B14F-4D97-AF65-F5344CB8AC3E}">
-        <p14:creationId xmlns:p14="http://schemas.microsoft.com/office/powerpoint/2010/main" val="1804973172"/>
-      </p:ext>
-    </p:extLst>
   </p:cSld>
   <p:clrMapOvr>
     <a:masterClrMapping/>
@@ -609,6 +601,7 @@
               <a:rPr kumimoji="1" lang="zh-CN" altLang="en-US" dirty="0"/>
               <a:t>点击开始游戏</a:t>
             </a:r>
+            <a:endParaRPr kumimoji="1" lang="zh-CN" altLang="en-US" dirty="0"/>
           </a:p>
         </p:txBody>
       </p:sp>
@@ -629,18 +622,12 @@
           <a:p>
             <a:fld id="{62846E98-2AF4-F548-AC23-1389A5902C12}" type="slidenum">
               <a:rPr kumimoji="1" lang="zh-CN" altLang="en-US" smtClean="0"/>
-              <a:t>5</a:t>
             </a:fld>
             <a:endParaRPr kumimoji="1" lang="zh-CN" altLang="en-US"/>
           </a:p>
         </p:txBody>
       </p:sp>
     </p:spTree>
-    <p:extLst>
-      <p:ext uri="{BB962C8B-B14F-4D97-AF65-F5344CB8AC3E}">
-        <p14:creationId xmlns:p14="http://schemas.microsoft.com/office/powerpoint/2010/main" val="717850384"/>
-      </p:ext>
-    </p:extLst>
   </p:cSld>
   <p:clrMapOvr>
     <a:masterClrMapping/>
@@ -716,6 +703,7 @@
               <a:rPr kumimoji="1" lang="en-US" altLang="zh-CN" dirty="0"/>
               <a:t>🐔</a:t>
             </a:r>
+            <a:endParaRPr kumimoji="1" lang="en-US" altLang="zh-CN" dirty="0"/>
           </a:p>
           <a:p>
             <a:r>
@@ -742,6 +730,7 @@
               <a:rPr kumimoji="1" lang="en-US" altLang="zh-CN" dirty="0"/>
               <a:t>0.05</a:t>
             </a:r>
+            <a:endParaRPr kumimoji="1" lang="en-US" altLang="zh-CN" dirty="0"/>
           </a:p>
           <a:p>
             <a:r>
@@ -807,18 +796,12 @@
           <a:p>
             <a:fld id="{62846E98-2AF4-F548-AC23-1389A5902C12}" type="slidenum">
               <a:rPr kumimoji="1" lang="zh-CN" altLang="en-US" smtClean="0"/>
-              <a:t>6</a:t>
             </a:fld>
             <a:endParaRPr kumimoji="1" lang="zh-CN" altLang="en-US"/>
           </a:p>
         </p:txBody>
       </p:sp>
     </p:spTree>
-    <p:extLst>
-      <p:ext uri="{BB962C8B-B14F-4D97-AF65-F5344CB8AC3E}">
-        <p14:creationId xmlns:p14="http://schemas.microsoft.com/office/powerpoint/2010/main" val="1894453162"/>
-      </p:ext>
-    </p:extLst>
   </p:cSld>
   <p:clrMapOvr>
     <a:masterClrMapping/>
@@ -884,7 +867,6 @@
               <a:buSzTx/>
               <a:buFontTx/>
               <a:buNone/>
-              <a:tabLst/>
               <a:defRPr/>
             </a:pPr>
             <a:r>
@@ -913,6 +895,7 @@
               <a:rPr kumimoji="1" lang="zh-CN" altLang="en-US" dirty="0"/>
               <a:t>点击排行榜可以查看好友圈分数排行</a:t>
             </a:r>
+            <a:endParaRPr kumimoji="1" lang="zh-CN" altLang="en-US" dirty="0"/>
           </a:p>
         </p:txBody>
       </p:sp>
@@ -933,18 +916,12 @@
           <a:p>
             <a:fld id="{62846E98-2AF4-F548-AC23-1389A5902C12}" type="slidenum">
               <a:rPr kumimoji="1" lang="zh-CN" altLang="en-US" smtClean="0"/>
-              <a:t>7</a:t>
             </a:fld>
             <a:endParaRPr kumimoji="1" lang="zh-CN" altLang="en-US"/>
           </a:p>
         </p:txBody>
       </p:sp>
     </p:spTree>
-    <p:extLst>
-      <p:ext uri="{BB962C8B-B14F-4D97-AF65-F5344CB8AC3E}">
-        <p14:creationId xmlns:p14="http://schemas.microsoft.com/office/powerpoint/2010/main" val="3659476482"/>
-      </p:ext>
-    </p:extLst>
   </p:cSld>
   <p:clrMapOvr>
     <a:masterClrMapping/>
@@ -1114,18 +1091,12 @@
           <a:p>
             <a:fld id="{62846E98-2AF4-F548-AC23-1389A5902C12}" type="slidenum">
               <a:rPr kumimoji="1" lang="zh-CN" altLang="en-US" smtClean="0"/>
-              <a:t>9</a:t>
             </a:fld>
             <a:endParaRPr kumimoji="1" lang="zh-CN" altLang="en-US"/>
           </a:p>
         </p:txBody>
       </p:sp>
     </p:spTree>
-    <p:extLst>
-      <p:ext uri="{BB962C8B-B14F-4D97-AF65-F5344CB8AC3E}">
-        <p14:creationId xmlns:p14="http://schemas.microsoft.com/office/powerpoint/2010/main" val="4194163112"/>
-      </p:ext>
-    </p:extLst>
   </p:cSld>
   <p:clrMapOvr>
     <a:masterClrMapping/>
@@ -1212,18 +1183,12 @@
           <a:p>
             <a:fld id="{62846E98-2AF4-F548-AC23-1389A5902C12}" type="slidenum">
               <a:rPr kumimoji="1" lang="zh-CN" altLang="en-US" smtClean="0"/>
-              <a:t>10</a:t>
             </a:fld>
             <a:endParaRPr kumimoji="1" lang="zh-CN" altLang="en-US"/>
           </a:p>
         </p:txBody>
       </p:sp>
     </p:spTree>
-    <p:extLst>
-      <p:ext uri="{BB962C8B-B14F-4D97-AF65-F5344CB8AC3E}">
-        <p14:creationId xmlns:p14="http://schemas.microsoft.com/office/powerpoint/2010/main" val="884821173"/>
-      </p:ext>
-    </p:extLst>
   </p:cSld>
   <p:clrMapOvr>
     <a:masterClrMapping/>
@@ -1232,7 +1197,7 @@
 </file>
 
 <file path=ppt/slideLayouts/slideLayout1.xml><?xml version="1.0" encoding="utf-8"?>
-<p:sldLayout xmlns:a="http://schemas.openxmlformats.org/drawingml/2006/main" xmlns:r="http://schemas.openxmlformats.org/officeDocument/2006/relationships" xmlns:p="http://schemas.openxmlformats.org/presentationml/2006/main" showMasterSp="0" type="title" preserve="1">
+<p:sldLayout xmlns:a="http://schemas.openxmlformats.org/drawingml/2006/main" xmlns:r="http://schemas.openxmlformats.org/officeDocument/2006/relationships" xmlns:p="http://schemas.openxmlformats.org/presentationml/2006/main" type="title" preserve="1" showMasterSp="0">
   <p:cSld name="标题幻灯片">
     <p:bg>
       <p:bgPr>
@@ -1400,8 +1365,6 @@
           <a:p>
             <a:fld id="{87DE6118-2437-4B30-8E3C-4D2BE6020583}" type="datetimeFigureOut">
               <a:rPr lang="en-US" dirty="0"/>
-              <a:pPr/>
-              <a:t>11/19/19</a:t>
             </a:fld>
             <a:endParaRPr lang="en-US" dirty="0"/>
           </a:p>
@@ -1469,8 +1432,6 @@
           <a:p>
             <a:fld id="{69E57DC2-970A-4B3E-BB1C-7A09969E49DF}" type="slidenum">
               <a:rPr lang="en-US" dirty="0"/>
-              <a:pPr/>
-              <a:t>‹#›</a:t>
             </a:fld>
             <a:endParaRPr lang="en-US" dirty="0"/>
           </a:p>
@@ -1541,8 +1502,6 @@
               <a:noFill/>
               <a:prstDash val="solid"/>
               <a:round/>
-              <a:headEnd/>
-              <a:tailEnd/>
             </a:ln>
           </p:spPr>
         </p:sp>
@@ -1599,8 +1558,6 @@
               <a:noFill/>
               <a:prstDash val="solid"/>
               <a:round/>
-              <a:headEnd/>
-              <a:tailEnd/>
             </a:ln>
           </p:spPr>
         </p:sp>
@@ -1678,6 +1635,7 @@
               <a:rPr lang="zh-CN" altLang="en-US"/>
               <a:t>单击此处编辑母版文本样式</a:t>
             </a:r>
+            <a:endParaRPr lang="zh-CN" altLang="en-US"/>
           </a:p>
           <a:p>
             <a:pPr lvl="1"/>
@@ -1685,6 +1643,7 @@
               <a:rPr lang="zh-CN" altLang="en-US"/>
               <a:t>二级</a:t>
             </a:r>
+            <a:endParaRPr lang="zh-CN" altLang="en-US"/>
           </a:p>
           <a:p>
             <a:pPr lvl="2"/>
@@ -1692,6 +1651,7 @@
               <a:rPr lang="zh-CN" altLang="en-US"/>
               <a:t>三级</a:t>
             </a:r>
+            <a:endParaRPr lang="zh-CN" altLang="en-US"/>
           </a:p>
           <a:p>
             <a:pPr lvl="3"/>
@@ -1699,6 +1659,7 @@
               <a:rPr lang="zh-CN" altLang="en-US"/>
               <a:t>四级</a:t>
             </a:r>
+            <a:endParaRPr lang="zh-CN" altLang="en-US"/>
           </a:p>
           <a:p>
             <a:pPr lvl="4"/>
@@ -1727,7 +1688,6 @@
           <a:p>
             <a:fld id="{87DE6118-2437-4B30-8E3C-4D2BE6020583}" type="datetimeFigureOut">
               <a:rPr lang="en-US" dirty="0"/>
-              <a:t>11/19/19</a:t>
             </a:fld>
             <a:endParaRPr lang="en-US" dirty="0"/>
           </a:p>
@@ -1769,7 +1729,6 @@
           <a:p>
             <a:fld id="{69E57DC2-970A-4B3E-BB1C-7A09969E49DF}" type="slidenum">
               <a:rPr lang="en-US" dirty="0"/>
-              <a:t>‹#›</a:t>
             </a:fld>
             <a:endParaRPr lang="en-US" dirty="0"/>
           </a:p>
@@ -1853,6 +1812,7 @@
               <a:rPr lang="zh-CN" altLang="en-US"/>
               <a:t>单击此处编辑母版文本样式</a:t>
             </a:r>
+            <a:endParaRPr lang="zh-CN" altLang="en-US"/>
           </a:p>
           <a:p>
             <a:pPr lvl="1"/>
@@ -1860,6 +1820,7 @@
               <a:rPr lang="zh-CN" altLang="en-US"/>
               <a:t>二级</a:t>
             </a:r>
+            <a:endParaRPr lang="zh-CN" altLang="en-US"/>
           </a:p>
           <a:p>
             <a:pPr lvl="2"/>
@@ -1867,6 +1828,7 @@
               <a:rPr lang="zh-CN" altLang="en-US"/>
               <a:t>三级</a:t>
             </a:r>
+            <a:endParaRPr lang="zh-CN" altLang="en-US"/>
           </a:p>
           <a:p>
             <a:pPr lvl="3"/>
@@ -1874,6 +1836,7 @@
               <a:rPr lang="zh-CN" altLang="en-US"/>
               <a:t>四级</a:t>
             </a:r>
+            <a:endParaRPr lang="zh-CN" altLang="en-US"/>
           </a:p>
           <a:p>
             <a:pPr lvl="4"/>
@@ -1902,7 +1865,6 @@
           <a:p>
             <a:fld id="{87DE6118-2437-4B30-8E3C-4D2BE6020583}" type="datetimeFigureOut">
               <a:rPr lang="en-US" dirty="0"/>
-              <a:t>11/19/19</a:t>
             </a:fld>
             <a:endParaRPr lang="en-US" dirty="0"/>
           </a:p>
@@ -1944,7 +1906,6 @@
           <a:p>
             <a:fld id="{69E57DC2-970A-4B3E-BB1C-7A09969E49DF}" type="slidenum">
               <a:rPr lang="en-US" dirty="0"/>
-              <a:t>‹#›</a:t>
             </a:fld>
             <a:endParaRPr lang="en-US" dirty="0"/>
           </a:p>
@@ -2018,6 +1979,7 @@
               <a:rPr lang="zh-CN" altLang="en-US"/>
               <a:t>单击此处编辑母版文本样式</a:t>
             </a:r>
+            <a:endParaRPr lang="zh-CN" altLang="en-US"/>
           </a:p>
           <a:p>
             <a:pPr lvl="1"/>
@@ -2025,6 +1987,7 @@
               <a:rPr lang="zh-CN" altLang="en-US"/>
               <a:t>二级</a:t>
             </a:r>
+            <a:endParaRPr lang="zh-CN" altLang="en-US"/>
           </a:p>
           <a:p>
             <a:pPr lvl="2"/>
@@ -2032,6 +1995,7 @@
               <a:rPr lang="zh-CN" altLang="en-US"/>
               <a:t>三级</a:t>
             </a:r>
+            <a:endParaRPr lang="zh-CN" altLang="en-US"/>
           </a:p>
           <a:p>
             <a:pPr lvl="3"/>
@@ -2039,6 +2003,7 @@
               <a:rPr lang="zh-CN" altLang="en-US"/>
               <a:t>四级</a:t>
             </a:r>
+            <a:endParaRPr lang="zh-CN" altLang="en-US"/>
           </a:p>
           <a:p>
             <a:pPr lvl="4"/>
@@ -2067,7 +2032,6 @@
           <a:p>
             <a:fld id="{87DE6118-2437-4B30-8E3C-4D2BE6020583}" type="datetimeFigureOut">
               <a:rPr lang="en-US" dirty="0"/>
-              <a:t>11/19/19</a:t>
             </a:fld>
             <a:endParaRPr lang="en-US" dirty="0"/>
           </a:p>
@@ -2109,7 +2073,6 @@
           <a:p>
             <a:fld id="{69E57DC2-970A-4B3E-BB1C-7A09969E49DF}" type="slidenum">
               <a:rPr lang="en-US" dirty="0"/>
-              <a:t>‹#›</a:t>
             </a:fld>
             <a:endParaRPr lang="en-US" dirty="0"/>
           </a:p>
@@ -2124,7 +2087,7 @@
 </file>
 
 <file path=ppt/slideLayouts/slideLayout3.xml><?xml version="1.0" encoding="utf-8"?>
-<p:sldLayout xmlns:a="http://schemas.openxmlformats.org/drawingml/2006/main" xmlns:r="http://schemas.openxmlformats.org/officeDocument/2006/relationships" xmlns:p="http://schemas.openxmlformats.org/presentationml/2006/main" showMasterSp="0" type="secHead" preserve="1">
+<p:sldLayout xmlns:a="http://schemas.openxmlformats.org/drawingml/2006/main" xmlns:r="http://schemas.openxmlformats.org/officeDocument/2006/relationships" xmlns:p="http://schemas.openxmlformats.org/presentationml/2006/main" type="secHead" preserve="1" showMasterSp="0">
   <p:cSld name="节标题">
     <p:bg>
       <p:bgRef idx="1001">
@@ -2306,6 +2269,7 @@
               <a:rPr lang="zh-CN" altLang="en-US"/>
               <a:t>单击此处编辑母版文本样式</a:t>
             </a:r>
+            <a:endParaRPr lang="zh-CN" altLang="en-US"/>
           </a:p>
         </p:txBody>
       </p:sp>
@@ -2339,8 +2303,6 @@
           <a:p>
             <a:fld id="{87DE6118-2437-4B30-8E3C-4D2BE6020583}" type="datetimeFigureOut">
               <a:rPr lang="en-US" dirty="0"/>
-              <a:pPr/>
-              <a:t>11/19/19</a:t>
             </a:fld>
             <a:endParaRPr lang="en-US" dirty="0"/>
           </a:p>
@@ -2408,8 +2370,6 @@
           <a:p>
             <a:fld id="{69E57DC2-970A-4B3E-BB1C-7A09969E49DF}" type="slidenum">
               <a:rPr lang="en-US" dirty="0"/>
-              <a:pPr/>
-              <a:t>‹#›</a:t>
             </a:fld>
             <a:endParaRPr lang="en-US" dirty="0"/>
           </a:p>
@@ -2466,8 +2426,6 @@
             <a:noFill/>
             <a:prstDash val="solid"/>
             <a:round/>
-            <a:headEnd/>
-            <a:tailEnd/>
           </a:ln>
         </p:spPr>
       </p:sp>
@@ -2588,6 +2546,7 @@
               <a:rPr lang="zh-CN" altLang="en-US"/>
               <a:t>单击此处编辑母版文本样式</a:t>
             </a:r>
+            <a:endParaRPr lang="zh-CN" altLang="en-US"/>
           </a:p>
           <a:p>
             <a:pPr lvl="1"/>
@@ -2595,6 +2554,7 @@
               <a:rPr lang="zh-CN" altLang="en-US"/>
               <a:t>二级</a:t>
             </a:r>
+            <a:endParaRPr lang="zh-CN" altLang="en-US"/>
           </a:p>
           <a:p>
             <a:pPr lvl="2"/>
@@ -2602,6 +2562,7 @@
               <a:rPr lang="zh-CN" altLang="en-US"/>
               <a:t>三级</a:t>
             </a:r>
+            <a:endParaRPr lang="zh-CN" altLang="en-US"/>
           </a:p>
           <a:p>
             <a:pPr lvl="3"/>
@@ -2609,6 +2570,7 @@
               <a:rPr lang="zh-CN" altLang="en-US"/>
               <a:t>四级</a:t>
             </a:r>
+            <a:endParaRPr lang="zh-CN" altLang="en-US"/>
           </a:p>
           <a:p>
             <a:pPr lvl="4"/>
@@ -2681,6 +2643,7 @@
               <a:rPr lang="zh-CN" altLang="en-US"/>
               <a:t>单击此处编辑母版文本样式</a:t>
             </a:r>
+            <a:endParaRPr lang="zh-CN" altLang="en-US"/>
           </a:p>
           <a:p>
             <a:pPr lvl="1"/>
@@ -2688,6 +2651,7 @@
               <a:rPr lang="zh-CN" altLang="en-US"/>
               <a:t>二级</a:t>
             </a:r>
+            <a:endParaRPr lang="zh-CN" altLang="en-US"/>
           </a:p>
           <a:p>
             <a:pPr lvl="2"/>
@@ -2695,6 +2659,7 @@
               <a:rPr lang="zh-CN" altLang="en-US"/>
               <a:t>三级</a:t>
             </a:r>
+            <a:endParaRPr lang="zh-CN" altLang="en-US"/>
           </a:p>
           <a:p>
             <a:pPr lvl="3"/>
@@ -2702,6 +2667,7 @@
               <a:rPr lang="zh-CN" altLang="en-US"/>
               <a:t>四级</a:t>
             </a:r>
+            <a:endParaRPr lang="zh-CN" altLang="en-US"/>
           </a:p>
           <a:p>
             <a:pPr lvl="4"/>
@@ -2730,7 +2696,6 @@
           <a:p>
             <a:fld id="{87DE6118-2437-4B30-8E3C-4D2BE6020583}" type="datetimeFigureOut">
               <a:rPr lang="en-US" dirty="0"/>
-              <a:t>11/19/19</a:t>
             </a:fld>
             <a:endParaRPr lang="en-US" dirty="0"/>
           </a:p>
@@ -2772,7 +2737,6 @@
           <a:p>
             <a:fld id="{69E57DC2-970A-4B3E-BB1C-7A09969E49DF}" type="slidenum">
               <a:rPr lang="en-US" dirty="0"/>
-              <a:t>‹#›</a:t>
             </a:fld>
             <a:endParaRPr lang="en-US" dirty="0"/>
           </a:p>
@@ -2916,6 +2880,7 @@
               <a:rPr lang="zh-CN" altLang="en-US"/>
               <a:t>单击此处编辑母版文本样式</a:t>
             </a:r>
+            <a:endParaRPr lang="zh-CN" altLang="en-US"/>
           </a:p>
         </p:txBody>
       </p:sp>
@@ -2980,6 +2945,7 @@
               <a:rPr lang="zh-CN" altLang="en-US"/>
               <a:t>单击此处编辑母版文本样式</a:t>
             </a:r>
+            <a:endParaRPr lang="zh-CN" altLang="en-US"/>
           </a:p>
           <a:p>
             <a:pPr lvl="1"/>
@@ -2987,6 +2953,7 @@
               <a:rPr lang="zh-CN" altLang="en-US"/>
               <a:t>二级</a:t>
             </a:r>
+            <a:endParaRPr lang="zh-CN" altLang="en-US"/>
           </a:p>
           <a:p>
             <a:pPr lvl="2"/>
@@ -2994,6 +2961,7 @@
               <a:rPr lang="zh-CN" altLang="en-US"/>
               <a:t>三级</a:t>
             </a:r>
+            <a:endParaRPr lang="zh-CN" altLang="en-US"/>
           </a:p>
           <a:p>
             <a:pPr lvl="3"/>
@@ -3001,6 +2969,7 @@
               <a:rPr lang="zh-CN" altLang="en-US"/>
               <a:t>四级</a:t>
             </a:r>
+            <a:endParaRPr lang="zh-CN" altLang="en-US"/>
           </a:p>
           <a:p>
             <a:pPr lvl="4"/>
@@ -3089,6 +3058,7 @@
               <a:rPr lang="zh-CN" altLang="en-US"/>
               <a:t>单击此处编辑母版文本样式</a:t>
             </a:r>
+            <a:endParaRPr lang="zh-CN" altLang="en-US"/>
           </a:p>
         </p:txBody>
       </p:sp>
@@ -3153,6 +3123,7 @@
               <a:rPr lang="zh-CN" altLang="en-US"/>
               <a:t>单击此处编辑母版文本样式</a:t>
             </a:r>
+            <a:endParaRPr lang="zh-CN" altLang="en-US"/>
           </a:p>
           <a:p>
             <a:pPr lvl="1"/>
@@ -3160,6 +3131,7 @@
               <a:rPr lang="zh-CN" altLang="en-US"/>
               <a:t>二级</a:t>
             </a:r>
+            <a:endParaRPr lang="zh-CN" altLang="en-US"/>
           </a:p>
           <a:p>
             <a:pPr lvl="2"/>
@@ -3167,6 +3139,7 @@
               <a:rPr lang="zh-CN" altLang="en-US"/>
               <a:t>三级</a:t>
             </a:r>
+            <a:endParaRPr lang="zh-CN" altLang="en-US"/>
           </a:p>
           <a:p>
             <a:pPr lvl="3"/>
@@ -3174,6 +3147,7 @@
               <a:rPr lang="zh-CN" altLang="en-US"/>
               <a:t>四级</a:t>
             </a:r>
+            <a:endParaRPr lang="zh-CN" altLang="en-US"/>
           </a:p>
           <a:p>
             <a:pPr lvl="4"/>
@@ -3202,7 +3176,6 @@
           <a:p>
             <a:fld id="{87DE6118-2437-4B30-8E3C-4D2BE6020583}" type="datetimeFigureOut">
               <a:rPr lang="en-US" dirty="0"/>
-              <a:t>11/19/19</a:t>
             </a:fld>
             <a:endParaRPr lang="en-US" dirty="0"/>
           </a:p>
@@ -3244,7 +3217,6 @@
           <a:p>
             <a:fld id="{69E57DC2-970A-4B3E-BB1C-7A09969E49DF}" type="slidenum">
               <a:rPr lang="en-US" dirty="0"/>
-              <a:t>‹#›</a:t>
             </a:fld>
             <a:endParaRPr lang="en-US" dirty="0"/>
           </a:p>
@@ -3315,7 +3287,6 @@
           <a:p>
             <a:fld id="{87DE6118-2437-4B30-8E3C-4D2BE6020583}" type="datetimeFigureOut">
               <a:rPr lang="en-US" dirty="0"/>
-              <a:t>11/19/19</a:t>
             </a:fld>
             <a:endParaRPr lang="en-US" dirty="0"/>
           </a:p>
@@ -3357,7 +3328,6 @@
           <a:p>
             <a:fld id="{69E57DC2-970A-4B3E-BB1C-7A09969E49DF}" type="slidenum">
               <a:rPr lang="en-US" dirty="0"/>
-              <a:t>‹#›</a:t>
             </a:fld>
             <a:endParaRPr lang="en-US" dirty="0"/>
           </a:p>
@@ -3405,7 +3375,6 @@
           <a:p>
             <a:fld id="{87DE6118-2437-4B30-8E3C-4D2BE6020583}" type="datetimeFigureOut">
               <a:rPr lang="en-US" dirty="0"/>
-              <a:t>11/19/19</a:t>
             </a:fld>
             <a:endParaRPr lang="en-US" dirty="0"/>
           </a:p>
@@ -3447,7 +3416,6 @@
           <a:p>
             <a:fld id="{69E57DC2-970A-4B3E-BB1C-7A09969E49DF}" type="slidenum">
               <a:rPr lang="en-US" dirty="0"/>
-              <a:t>‹#›</a:t>
             </a:fld>
             <a:endParaRPr lang="en-US" dirty="0"/>
           </a:p>
@@ -3462,7 +3430,7 @@
 </file>
 
 <file path=ppt/slideLayouts/slideLayout8.xml><?xml version="1.0" encoding="utf-8"?>
-<p:sldLayout xmlns:a="http://schemas.openxmlformats.org/drawingml/2006/main" xmlns:r="http://schemas.openxmlformats.org/officeDocument/2006/relationships" xmlns:p="http://schemas.openxmlformats.org/presentationml/2006/main" showMasterSp="0" type="objTx" preserve="1">
+<p:sldLayout xmlns:a="http://schemas.openxmlformats.org/drawingml/2006/main" xmlns:r="http://schemas.openxmlformats.org/officeDocument/2006/relationships" xmlns:p="http://schemas.openxmlformats.org/presentationml/2006/main" type="objTx" preserve="1" showMasterSp="0">
   <p:cSld name="内容与标题">
     <p:spTree>
       <p:nvGrpSpPr>
@@ -3610,6 +3578,7 @@
               <a:rPr lang="zh-CN" altLang="en-US"/>
               <a:t>单击此处编辑母版文本样式</a:t>
             </a:r>
+            <a:endParaRPr lang="zh-CN" altLang="en-US"/>
           </a:p>
           <a:p>
             <a:pPr lvl="1"/>
@@ -3617,6 +3586,7 @@
               <a:rPr lang="zh-CN" altLang="en-US"/>
               <a:t>二级</a:t>
             </a:r>
+            <a:endParaRPr lang="zh-CN" altLang="en-US"/>
           </a:p>
           <a:p>
             <a:pPr lvl="2"/>
@@ -3624,6 +3594,7 @@
               <a:rPr lang="zh-CN" altLang="en-US"/>
               <a:t>三级</a:t>
             </a:r>
+            <a:endParaRPr lang="zh-CN" altLang="en-US"/>
           </a:p>
           <a:p>
             <a:pPr lvl="3"/>
@@ -3631,6 +3602,7 @@
               <a:rPr lang="zh-CN" altLang="en-US"/>
               <a:t>四级</a:t>
             </a:r>
+            <a:endParaRPr lang="zh-CN" altLang="en-US"/>
           </a:p>
           <a:p>
             <a:pPr lvl="4"/>
@@ -3713,6 +3685,7 @@
               <a:rPr lang="zh-CN" altLang="en-US"/>
               <a:t>单击此处编辑母版文本样式</a:t>
             </a:r>
+            <a:endParaRPr lang="zh-CN" altLang="en-US"/>
           </a:p>
         </p:txBody>
       </p:sp>
@@ -3746,8 +3719,6 @@
           <a:p>
             <a:fld id="{87DE6118-2437-4B30-8E3C-4D2BE6020583}" type="datetimeFigureOut">
               <a:rPr lang="en-US" dirty="0"/>
-              <a:pPr/>
-              <a:t>11/19/19</a:t>
             </a:fld>
             <a:endParaRPr lang="en-US" dirty="0"/>
           </a:p>
@@ -3815,8 +3786,6 @@
           <a:p>
             <a:fld id="{69E57DC2-970A-4B3E-BB1C-7A09969E49DF}" type="slidenum">
               <a:rPr lang="en-US" dirty="0"/>
-              <a:pPr/>
-              <a:t>‹#›</a:t>
             </a:fld>
             <a:endParaRPr lang="en-US" dirty="0"/>
           </a:p>
@@ -3869,7 +3838,7 @@
 </file>
 
 <file path=ppt/slideLayouts/slideLayout9.xml><?xml version="1.0" encoding="utf-8"?>
-<p:sldLayout xmlns:a="http://schemas.openxmlformats.org/drawingml/2006/main" xmlns:r="http://schemas.openxmlformats.org/officeDocument/2006/relationships" xmlns:p="http://schemas.openxmlformats.org/presentationml/2006/main" showMasterSp="0" type="picTx" preserve="1">
+<p:sldLayout xmlns:a="http://schemas.openxmlformats.org/drawingml/2006/main" xmlns:r="http://schemas.openxmlformats.org/officeDocument/2006/relationships" xmlns:p="http://schemas.openxmlformats.org/presentationml/2006/main" type="picTx" preserve="1" showMasterSp="0">
   <p:cSld name="图片与标题">
     <p:spTree>
       <p:nvGrpSpPr>
@@ -4098,6 +4067,7 @@
               <a:rPr lang="zh-CN" altLang="en-US"/>
               <a:t>单击此处编辑母版文本样式</a:t>
             </a:r>
+            <a:endParaRPr lang="zh-CN" altLang="en-US"/>
           </a:p>
         </p:txBody>
       </p:sp>
@@ -4131,8 +4101,6 @@
           <a:p>
             <a:fld id="{87DE6118-2437-4B30-8E3C-4D2BE6020583}" type="datetimeFigureOut">
               <a:rPr lang="en-US" dirty="0"/>
-              <a:pPr/>
-              <a:t>11/19/19</a:t>
             </a:fld>
             <a:endParaRPr lang="en-US" dirty="0"/>
           </a:p>
@@ -4200,8 +4168,6 @@
           <a:p>
             <a:fld id="{69E57DC2-970A-4B3E-BB1C-7A09969E49DF}" type="slidenum">
               <a:rPr lang="en-US" dirty="0"/>
-              <a:pPr/>
-              <a:t>‹#›</a:t>
             </a:fld>
             <a:endParaRPr lang="en-US" dirty="0"/>
           </a:p>
@@ -4341,6 +4307,7 @@
               <a:rPr lang="zh-CN" altLang="en-US"/>
               <a:t>单击此处编辑母版文本样式</a:t>
             </a:r>
+            <a:endParaRPr lang="zh-CN" altLang="en-US"/>
           </a:p>
           <a:p>
             <a:pPr lvl="1"/>
@@ -4348,6 +4315,7 @@
               <a:rPr lang="zh-CN" altLang="en-US"/>
               <a:t>二级</a:t>
             </a:r>
+            <a:endParaRPr lang="zh-CN" altLang="en-US"/>
           </a:p>
           <a:p>
             <a:pPr lvl="2"/>
@@ -4355,6 +4323,7 @@
               <a:rPr lang="zh-CN" altLang="en-US"/>
               <a:t>三级</a:t>
             </a:r>
+            <a:endParaRPr lang="zh-CN" altLang="en-US"/>
           </a:p>
           <a:p>
             <a:pPr lvl="3"/>
@@ -4362,6 +4331,7 @@
               <a:rPr lang="zh-CN" altLang="en-US"/>
               <a:t>四级</a:t>
             </a:r>
+            <a:endParaRPr lang="zh-CN" altLang="en-US"/>
           </a:p>
           <a:p>
             <a:pPr lvl="4"/>
@@ -4406,8 +4376,6 @@
           <a:p>
             <a:fld id="{87DE6118-2437-4B30-8E3C-4D2BE6020583}" type="datetimeFigureOut">
               <a:rPr lang="en-US" dirty="0"/>
-              <a:pPr/>
-              <a:t>11/19/19</a:t>
             </a:fld>
             <a:endParaRPr lang="en-US" dirty="0"/>
           </a:p>
@@ -4481,8 +4449,6 @@
           <a:p>
             <a:fld id="{69E57DC2-970A-4B3E-BB1C-7A09969E49DF}" type="slidenum">
               <a:rPr lang="en-US" dirty="0"/>
-              <a:pPr/>
-              <a:t>‹#›</a:t>
             </a:fld>
             <a:endParaRPr lang="en-US" dirty="0"/>
           </a:p>
@@ -4563,7 +4529,7 @@
       </a:lvl1pPr>
     </p:titleStyle>
     <p:bodyStyle>
-      <a:lvl1pPr marL="384048" indent="-384048" algn="l" defTabSz="914400" rtl="0" eaLnBrk="1" latinLnBrk="0" hangingPunct="1">
+      <a:lvl1pPr marL="384175" indent="-384175" algn="l" defTabSz="914400" rtl="0" eaLnBrk="1" latinLnBrk="0" hangingPunct="1">
         <a:lnSpc>
           <a:spcPct val="94000"/>
         </a:lnSpc>
@@ -4584,7 +4550,7 @@
           <a:cs typeface="+mn-cs"/>
         </a:defRPr>
       </a:lvl1pPr>
-      <a:lvl2pPr marL="914400" indent="-384048" algn="l" defTabSz="914400" rtl="0" eaLnBrk="1" latinLnBrk="0" hangingPunct="1">
+      <a:lvl2pPr marL="914400" indent="-384175" algn="l" defTabSz="914400" rtl="0" eaLnBrk="1" latinLnBrk="0" hangingPunct="1">
         <a:lnSpc>
           <a:spcPct val="94000"/>
         </a:lnSpc>
@@ -4605,7 +4571,7 @@
           <a:cs typeface="+mn-cs"/>
         </a:defRPr>
       </a:lvl2pPr>
-      <a:lvl3pPr marL="1371600" indent="-384048" algn="l" defTabSz="914400" rtl="0" eaLnBrk="1" latinLnBrk="0" hangingPunct="1">
+      <a:lvl3pPr marL="1371600" indent="-384175" algn="l" defTabSz="914400" rtl="0" eaLnBrk="1" latinLnBrk="0" hangingPunct="1">
         <a:lnSpc>
           <a:spcPct val="94000"/>
         </a:lnSpc>
@@ -4626,7 +4592,7 @@
           <a:cs typeface="+mn-cs"/>
         </a:defRPr>
       </a:lvl3pPr>
-      <a:lvl4pPr marL="1828800" indent="-384048" algn="l" defTabSz="914400" rtl="0" eaLnBrk="1" latinLnBrk="0" hangingPunct="1">
+      <a:lvl4pPr marL="1828800" indent="-384175" algn="l" defTabSz="914400" rtl="0" eaLnBrk="1" latinLnBrk="0" hangingPunct="1">
         <a:lnSpc>
           <a:spcPct val="94000"/>
         </a:lnSpc>
@@ -4647,7 +4613,7 @@
           <a:cs typeface="+mn-cs"/>
         </a:defRPr>
       </a:lvl4pPr>
-      <a:lvl5pPr marL="2286000" indent="-384048" algn="l" defTabSz="914400" rtl="0" eaLnBrk="1" latinLnBrk="0" hangingPunct="1">
+      <a:lvl5pPr marL="2286000" indent="-384175" algn="l" defTabSz="914400" rtl="0" eaLnBrk="1" latinLnBrk="0" hangingPunct="1">
         <a:lnSpc>
           <a:spcPct val="94000"/>
         </a:lnSpc>
@@ -4668,7 +4634,7 @@
           <a:cs typeface="+mn-cs"/>
         </a:defRPr>
       </a:lvl5pPr>
-      <a:lvl6pPr marL="2743200" indent="-384048" algn="l" defTabSz="914400" rtl="0" eaLnBrk="1" latinLnBrk="0" hangingPunct="1">
+      <a:lvl6pPr marL="2743200" indent="-384175" algn="l" defTabSz="914400" rtl="0" eaLnBrk="1" latinLnBrk="0" hangingPunct="1">
         <a:lnSpc>
           <a:spcPct val="94000"/>
         </a:lnSpc>
@@ -4689,7 +4655,7 @@
           <a:cs typeface="+mn-cs"/>
         </a:defRPr>
       </a:lvl6pPr>
-      <a:lvl7pPr marL="3200400" indent="-384048" algn="l" defTabSz="914400" rtl="0" eaLnBrk="1" latinLnBrk="0" hangingPunct="1">
+      <a:lvl7pPr marL="3200400" indent="-384175" algn="l" defTabSz="914400" rtl="0" eaLnBrk="1" latinLnBrk="0" hangingPunct="1">
         <a:lnSpc>
           <a:spcPct val="94000"/>
         </a:lnSpc>
@@ -4710,7 +4676,7 @@
           <a:cs typeface="+mn-cs"/>
         </a:defRPr>
       </a:lvl7pPr>
-      <a:lvl8pPr marL="3657600" indent="-384048" algn="l" defTabSz="914400" rtl="0" eaLnBrk="1" latinLnBrk="0" hangingPunct="1">
+      <a:lvl8pPr marL="3657600" indent="-384175" algn="l" defTabSz="914400" rtl="0" eaLnBrk="1" latinLnBrk="0" hangingPunct="1">
         <a:lnSpc>
           <a:spcPct val="94000"/>
         </a:lnSpc>
@@ -4731,7 +4697,7 @@
           <a:cs typeface="+mn-cs"/>
         </a:defRPr>
       </a:lvl8pPr>
-      <a:lvl9pPr marL="4114800" indent="-384048" algn="l" defTabSz="914400" rtl="0" eaLnBrk="1" latinLnBrk="0" hangingPunct="1">
+      <a:lvl9pPr marL="4114800" indent="-384175" algn="l" defTabSz="914400" rtl="0" eaLnBrk="1" latinLnBrk="0" hangingPunct="1">
         <a:lnSpc>
           <a:spcPct val="94000"/>
         </a:lnSpc>
@@ -4849,52 +4815,6 @@
       </a:lvl9pPr>
     </p:otherStyle>
   </p:txStyles>
-  <p:extLst>
-    <p:ext uri="{27BBF7A9-308A-43DC-89C8-2F10F3537804}">
-      <p15:sldGuideLst xmlns:p15="http://schemas.microsoft.com/office/powerpoint/2012/main">
-        <p15:guide id="3" orient="horz" pos="1368">
-          <p15:clr>
-            <a:srgbClr val="F26B43"/>
-          </p15:clr>
-        </p15:guide>
-        <p15:guide id="4" orient="horz" pos="1440">
-          <p15:clr>
-            <a:srgbClr val="F26B43"/>
-          </p15:clr>
-        </p15:guide>
-        <p15:guide id="6" orient="horz" pos="3696">
-          <p15:clr>
-            <a:srgbClr val="F26B43"/>
-          </p15:clr>
-        </p15:guide>
-        <p15:guide id="7" orient="horz" pos="432">
-          <p15:clr>
-            <a:srgbClr val="F26B43"/>
-          </p15:clr>
-        </p15:guide>
-        <p15:guide id="8" orient="horz" pos="1512">
-          <p15:clr>
-            <a:srgbClr val="F26B43"/>
-          </p15:clr>
-        </p15:guide>
-        <p15:guide id="9" pos="6912">
-          <p15:clr>
-            <a:srgbClr val="F26B43"/>
-          </p15:clr>
-        </p15:guide>
-        <p15:guide id="10" pos="936">
-          <p15:clr>
-            <a:srgbClr val="F26B43"/>
-          </p15:clr>
-        </p15:guide>
-        <p15:guide id="11" pos="864">
-          <p15:clr>
-            <a:srgbClr val="F26B43"/>
-          </p15:clr>
-        </p15:guide>
-      </p15:sldGuideLst>
-    </p:ext>
-  </p:extLst>
 </p:sldMaster>
 </file>
 
@@ -4917,13 +4837,7 @@
       </p:grpSpPr>
       <p:sp>
         <p:nvSpPr>
-          <p:cNvPr id="2" name="标题 1">
-            <a:extLst>
-              <a:ext uri="{FF2B5EF4-FFF2-40B4-BE49-F238E27FC236}">
-                <a16:creationId xmlns:a16="http://schemas.microsoft.com/office/drawing/2014/main" id="{946C90EF-58B8-584A-ACCE-1CD573F9C7BA}"/>
-              </a:ext>
-            </a:extLst>
-          </p:cNvPr>
+          <p:cNvPr id="2" name="标题 1"/>
           <p:cNvSpPr>
             <a:spLocks noGrp="1"/>
           </p:cNvSpPr>
@@ -4933,7 +4847,7 @@
         </p:nvSpPr>
         <p:spPr>
           <a:xfrm>
-            <a:off x="1045778" y="1583022"/>
+            <a:off x="1045778" y="1802097"/>
             <a:ext cx="9806152" cy="2098226"/>
           </a:xfrm>
         </p:spPr>
@@ -4942,108 +4856,285 @@
           <a:lstStyle/>
           <a:p>
             <a:r>
-              <a:rPr lang="en-US" altLang="zh-CN" dirty="0" err="1">
+              <a:rPr lang="en-US" altLang="zh-CN" b="1" dirty="0" err="1">
+                <a:ln/>
+                <a:solidFill>
+                  <a:schemeClr val="tx2">
+                    <a:lumMod val="90000"/>
+                    <a:lumOff val="10000"/>
+                  </a:schemeClr>
+                </a:solidFill>
+                <a:effectLst/>
                 <a:latin typeface="Microsoft YaHei UI" panose="020B0503020204020204" pitchFamily="34" charset="-122"/>
                 <a:ea typeface="Microsoft YaHei UI" panose="020B0503020204020204" pitchFamily="34" charset="-122"/>
               </a:rPr>
               <a:t>Kun</a:t>
             </a:r>
             <a:r>
-              <a:rPr lang="en-US" altLang="zh-CN" dirty="0">
+              <a:rPr lang="en-US" altLang="zh-CN" b="1" dirty="0">
+                <a:ln/>
+                <a:solidFill>
+                  <a:schemeClr val="tx2">
+                    <a:lumMod val="90000"/>
+                    <a:lumOff val="10000"/>
+                  </a:schemeClr>
+                </a:solidFill>
+                <a:effectLst/>
                 <a:latin typeface="Microsoft YaHei UI" panose="020B0503020204020204" pitchFamily="34" charset="-122"/>
                 <a:ea typeface="Microsoft YaHei UI" panose="020B0503020204020204" pitchFamily="34" charset="-122"/>
               </a:rPr>
               <a:t> </a:t>
             </a:r>
             <a:r>
-              <a:rPr lang="en-US" altLang="zh-CN" dirty="0" err="1">
-                <a:latin typeface="Microsoft YaHei UI" panose="020B0503020204020204" pitchFamily="34" charset="-122"/>
-                <a:ea typeface="Microsoft YaHei UI" panose="020B0503020204020204" pitchFamily="34" charset="-122"/>
-              </a:rPr>
-              <a:t>Kun’s</a:t>
-            </a:r>
-            <a:r>
-              <a:rPr lang="en-US" altLang="zh-CN" dirty="0">
-                <a:latin typeface="Microsoft YaHei UI" panose="020B0503020204020204" pitchFamily="34" charset="-122"/>
-                <a:ea typeface="Microsoft YaHei UI" panose="020B0503020204020204" pitchFamily="34" charset="-122"/>
-              </a:rPr>
-              <a:t> Travel</a:t>
+              <a:rPr lang="en-US" altLang="zh-CN" b="1" dirty="0" err="1">
+                <a:ln/>
+                <a:solidFill>
+                  <a:schemeClr val="tx2">
+                    <a:lumMod val="90000"/>
+                    <a:lumOff val="10000"/>
+                  </a:schemeClr>
+                </a:solidFill>
+                <a:effectLst/>
+                <a:latin typeface="Microsoft YaHei UI" panose="020B0503020204020204" pitchFamily="34" charset="-122"/>
+                <a:ea typeface="Microsoft YaHei UI" panose="020B0503020204020204" pitchFamily="34" charset="-122"/>
+              </a:rPr>
+              <a:t>Kun’s </a:t>
+            </a:r>
+            <a:r>
+              <a:rPr lang="en-US" altLang="zh-CN" b="1" dirty="0">
+                <a:ln/>
+                <a:solidFill>
+                  <a:schemeClr val="tx2">
+                    <a:lumMod val="90000"/>
+                    <a:lumOff val="10000"/>
+                  </a:schemeClr>
+                </a:solidFill>
+                <a:effectLst/>
+                <a:latin typeface="Microsoft YaHei UI" panose="020B0503020204020204" pitchFamily="34" charset="-122"/>
+                <a:ea typeface="Microsoft YaHei UI" panose="020B0503020204020204" pitchFamily="34" charset="-122"/>
+              </a:rPr>
+              <a:t>Travel</a:t>
             </a:r>
             <a:br>
               <a:rPr lang="en-US" altLang="zh-CN" dirty="0">
+                <a:ln/>
+                <a:solidFill>
+                  <a:schemeClr val="accent4"/>
+                </a:solidFill>
                 <a:latin typeface="Microsoft YaHei UI" panose="020B0503020204020204" pitchFamily="34" charset="-122"/>
                 <a:ea typeface="Microsoft YaHei UI" panose="020B0503020204020204" pitchFamily="34" charset="-122"/>
               </a:rPr>
             </a:br>
             <a:r>
               <a:rPr lang="en-US" altLang="zh-CN" sz="3200" dirty="0">
-                <a:latin typeface="Microsoft YaHei UI" panose="020B0503020204020204" pitchFamily="34" charset="-122"/>
-                <a:ea typeface="Microsoft YaHei UI" panose="020B0503020204020204" pitchFamily="34" charset="-122"/>
-              </a:rPr>
-              <a:t>                 ——</a:t>
-            </a:r>
-            <a:r>
-              <a:rPr lang="zh-CN" altLang="en-US" sz="3200" dirty="0">
+                <a:ln/>
+                <a:solidFill>
+                  <a:schemeClr val="accent4"/>
+                </a:solidFill>
+                <a:latin typeface="Microsoft YaHei UI" panose="020B0503020204020204" pitchFamily="34" charset="-122"/>
+                <a:ea typeface="Microsoft YaHei UI" panose="020B0503020204020204" pitchFamily="34" charset="-122"/>
+              </a:rPr>
+              <a:t>            </a:t>
+            </a:r>
+            <a:r>
+              <a:rPr lang="en-US" altLang="zh-CN" sz="3200" dirty="0">
+                <a:ln/>
+                <a:solidFill>
+                  <a:schemeClr val="tx1">
+                    <a:lumMod val="95000"/>
+                    <a:lumOff val="5000"/>
+                  </a:schemeClr>
+                </a:solidFill>
+                <a:latin typeface="Microsoft YaHei UI" panose="020B0503020204020204" pitchFamily="34" charset="-122"/>
+                <a:ea typeface="Microsoft YaHei UI" panose="020B0503020204020204" pitchFamily="34" charset="-122"/>
+              </a:rPr>
+              <a:t>   </a:t>
+            </a:r>
+            <a:r>
+              <a:rPr lang="en-US" altLang="zh-CN" sz="3200" dirty="0">
+                <a:ln w="12700" cmpd="sng">
+                  <a:solidFill>
+                    <a:schemeClr val="accent4"/>
+                  </a:solidFill>
+                  <a:prstDash val="solid"/>
+                </a:ln>
+                <a:solidFill>
+                  <a:schemeClr val="tx1">
+                    <a:lumMod val="95000"/>
+                    <a:lumOff val="5000"/>
+                  </a:schemeClr>
+                </a:solidFill>
+                <a:effectLst/>
                 <a:latin typeface="Microsoft YaHei UI" panose="020B0503020204020204" pitchFamily="34" charset="-122"/>
                 <a:ea typeface="Microsoft YaHei UI" panose="020B0503020204020204" pitchFamily="34" charset="-122"/>
               </a:rPr>
               <a:t> </a:t>
             </a:r>
             <a:r>
-              <a:rPr lang="en-US" altLang="zh-CN" sz="3200" dirty="0">
-                <a:latin typeface="Microsoft YaHei UI" panose="020B0503020204020204" pitchFamily="34" charset="-122"/>
-                <a:ea typeface="Microsoft YaHei UI" panose="020B0503020204020204" pitchFamily="34" charset="-122"/>
+              <a:rPr lang="en-US" altLang="zh-CN" sz="3200" b="1" dirty="0">
+                <a:ln w="12700" cmpd="sng">
+                  <a:solidFill>
+                    <a:schemeClr val="accent4"/>
+                  </a:solidFill>
+                  <a:prstDash val="solid"/>
+                </a:ln>
+                <a:solidFill>
+                  <a:schemeClr val="tx1"/>
+                </a:solidFill>
+                <a:effectLst/>
+                <a:latin typeface="Microsoft YaHei UI" panose="020B0503020204020204" pitchFamily="34" charset="-122"/>
+                <a:ea typeface="Microsoft YaHei UI" panose="020B0503020204020204" pitchFamily="34" charset="-122"/>
+                <a:cs typeface="Microsoft YaHei UI" panose="020B0503020204020204" pitchFamily="34" charset="-122"/>
+              </a:rPr>
+              <a:t>——</a:t>
+            </a:r>
+            <a:r>
+              <a:rPr lang="zh-CN" altLang="en-US" sz="3200" b="1" dirty="0">
+                <a:ln w="12700" cmpd="sng">
+                  <a:solidFill>
+                    <a:schemeClr val="accent4"/>
+                  </a:solidFill>
+                  <a:prstDash val="solid"/>
+                </a:ln>
+                <a:solidFill>
+                  <a:schemeClr val="tx1"/>
+                </a:solidFill>
+                <a:effectLst/>
+                <a:latin typeface="Microsoft YaHei UI" panose="020B0503020204020204" pitchFamily="34" charset="-122"/>
+                <a:ea typeface="Microsoft YaHei UI" panose="020B0503020204020204" pitchFamily="34" charset="-122"/>
+                <a:cs typeface="Microsoft YaHei UI" panose="020B0503020204020204" pitchFamily="34" charset="-122"/>
+              </a:rPr>
+              <a:t> </a:t>
+            </a:r>
+            <a:r>
+              <a:rPr lang="en-US" altLang="zh-CN" sz="3200" b="1" dirty="0">
+                <a:ln w="12700" cmpd="sng">
+                  <a:solidFill>
+                    <a:schemeClr val="accent4"/>
+                  </a:solidFill>
+                  <a:prstDash val="solid"/>
+                </a:ln>
+                <a:solidFill>
+                  <a:schemeClr val="tx1"/>
+                </a:solidFill>
+                <a:effectLst/>
+                <a:latin typeface="Microsoft YaHei UI" panose="020B0503020204020204" pitchFamily="34" charset="-122"/>
+                <a:ea typeface="Microsoft YaHei UI" panose="020B0503020204020204" pitchFamily="34" charset="-122"/>
+                <a:cs typeface="Microsoft YaHei UI" panose="020B0503020204020204" pitchFamily="34" charset="-122"/>
               </a:rPr>
               <a:t>made</a:t>
             </a:r>
             <a:r>
-              <a:rPr lang="zh-CN" altLang="en-US" sz="3200" dirty="0">
-                <a:latin typeface="Microsoft YaHei UI" panose="020B0503020204020204" pitchFamily="34" charset="-122"/>
-                <a:ea typeface="Microsoft YaHei UI" panose="020B0503020204020204" pitchFamily="34" charset="-122"/>
+              <a:rPr lang="zh-CN" altLang="en-US" sz="3200" b="1" dirty="0">
+                <a:ln w="12700" cmpd="sng">
+                  <a:solidFill>
+                    <a:schemeClr val="accent4"/>
+                  </a:solidFill>
+                  <a:prstDash val="solid"/>
+                </a:ln>
+                <a:solidFill>
+                  <a:schemeClr val="tx1"/>
+                </a:solidFill>
+                <a:effectLst/>
+                <a:latin typeface="Microsoft YaHei UI" panose="020B0503020204020204" pitchFamily="34" charset="-122"/>
+                <a:ea typeface="Microsoft YaHei UI" panose="020B0503020204020204" pitchFamily="34" charset="-122"/>
+                <a:cs typeface="Microsoft YaHei UI" panose="020B0503020204020204" pitchFamily="34" charset="-122"/>
               </a:rPr>
               <a:t> </a:t>
             </a:r>
             <a:r>
-              <a:rPr lang="en-US" altLang="zh-CN" sz="3200" dirty="0">
-                <a:latin typeface="Microsoft YaHei UI" panose="020B0503020204020204" pitchFamily="34" charset="-122"/>
-                <a:ea typeface="Microsoft YaHei UI" panose="020B0503020204020204" pitchFamily="34" charset="-122"/>
+              <a:rPr lang="en-US" altLang="zh-CN" sz="3200" b="1" dirty="0">
+                <a:ln w="12700" cmpd="sng">
+                  <a:solidFill>
+                    <a:schemeClr val="accent4"/>
+                  </a:solidFill>
+                  <a:prstDash val="solid"/>
+                </a:ln>
+                <a:solidFill>
+                  <a:schemeClr val="tx1"/>
+                </a:solidFill>
+                <a:effectLst/>
+                <a:latin typeface="Microsoft YaHei UI" panose="020B0503020204020204" pitchFamily="34" charset="-122"/>
+                <a:ea typeface="Microsoft YaHei UI" panose="020B0503020204020204" pitchFamily="34" charset="-122"/>
+                <a:cs typeface="Microsoft YaHei UI" panose="020B0503020204020204" pitchFamily="34" charset="-122"/>
               </a:rPr>
               <a:t>by</a:t>
             </a:r>
             <a:r>
-              <a:rPr lang="zh-CN" altLang="en-US" sz="3200" dirty="0">
-                <a:latin typeface="Microsoft YaHei UI" panose="020B0503020204020204" pitchFamily="34" charset="-122"/>
-                <a:ea typeface="Microsoft YaHei UI" panose="020B0503020204020204" pitchFamily="34" charset="-122"/>
+              <a:rPr lang="zh-CN" altLang="en-US" sz="3200" b="1" dirty="0">
+                <a:ln w="12700" cmpd="sng">
+                  <a:solidFill>
+                    <a:schemeClr val="accent4"/>
+                  </a:solidFill>
+                  <a:prstDash val="solid"/>
+                </a:ln>
+                <a:solidFill>
+                  <a:schemeClr val="tx1"/>
+                </a:solidFill>
+                <a:effectLst/>
+                <a:latin typeface="Microsoft YaHei UI" panose="020B0503020204020204" pitchFamily="34" charset="-122"/>
+                <a:ea typeface="Microsoft YaHei UI" panose="020B0503020204020204" pitchFamily="34" charset="-122"/>
+                <a:cs typeface="Microsoft YaHei UI" panose="020B0503020204020204" pitchFamily="34" charset="-122"/>
               </a:rPr>
               <a:t> </a:t>
             </a:r>
             <a:r>
-              <a:rPr lang="en-US" altLang="zh-CN" sz="3200" dirty="0">
-                <a:latin typeface="Microsoft YaHei UI" panose="020B0503020204020204" pitchFamily="34" charset="-122"/>
-                <a:ea typeface="Microsoft YaHei UI" panose="020B0503020204020204" pitchFamily="34" charset="-122"/>
+              <a:rPr lang="en-US" altLang="zh-CN" sz="3200" b="1" dirty="0">
+                <a:ln w="12700" cmpd="sng">
+                  <a:solidFill>
+                    <a:schemeClr val="accent4"/>
+                  </a:solidFill>
+                  <a:prstDash val="solid"/>
+                </a:ln>
+                <a:solidFill>
+                  <a:schemeClr val="tx1"/>
+                </a:solidFill>
+                <a:effectLst/>
+                <a:latin typeface="Microsoft YaHei UI" panose="020B0503020204020204" pitchFamily="34" charset="-122"/>
+                <a:ea typeface="Microsoft YaHei UI" panose="020B0503020204020204" pitchFamily="34" charset="-122"/>
+                <a:cs typeface="Microsoft YaHei UI" panose="020B0503020204020204" pitchFamily="34" charset="-122"/>
               </a:rPr>
               <a:t>EASYGOING</a:t>
             </a:r>
             <a:r>
-              <a:rPr lang="zh-CN" altLang="en-US" sz="3200" dirty="0">
-                <a:latin typeface="Microsoft YaHei UI" panose="020B0503020204020204" pitchFamily="34" charset="-122"/>
-                <a:ea typeface="Microsoft YaHei UI" panose="020B0503020204020204" pitchFamily="34" charset="-122"/>
+              <a:rPr lang="zh-CN" altLang="en-US" sz="3200" b="1" dirty="0">
+                <a:ln w="12700" cmpd="sng">
+                  <a:solidFill>
+                    <a:schemeClr val="accent4"/>
+                  </a:solidFill>
+                  <a:prstDash val="solid"/>
+                </a:ln>
+                <a:solidFill>
+                  <a:schemeClr val="tx1"/>
+                </a:solidFill>
+                <a:effectLst/>
+                <a:latin typeface="Microsoft YaHei UI" panose="020B0503020204020204" pitchFamily="34" charset="-122"/>
+                <a:ea typeface="Microsoft YaHei UI" panose="020B0503020204020204" pitchFamily="34" charset="-122"/>
+                <a:cs typeface="Microsoft YaHei UI" panose="020B0503020204020204" pitchFamily="34" charset="-122"/>
               </a:rPr>
               <a:t> （儒雅随和）</a:t>
             </a:r>
-            <a:endParaRPr kumimoji="1" lang="zh-CN" altLang="en-US" sz="3200" dirty="0"/>
-          </a:p>
-        </p:txBody>
-      </p:sp>
-      <p:sp>
-        <p:nvSpPr>
-          <p:cNvPr id="3" name="副标题 2">
-            <a:extLst>
-              <a:ext uri="{FF2B5EF4-FFF2-40B4-BE49-F238E27FC236}">
-                <a16:creationId xmlns:a16="http://schemas.microsoft.com/office/drawing/2014/main" id="{304A57AA-BDA8-9C40-9608-C8B21947261C}"/>
-              </a:ext>
-            </a:extLst>
-          </p:cNvPr>
+            <a:endParaRPr kumimoji="1" lang="zh-CN" altLang="en-US" sz="3200" b="1" dirty="0">
+              <a:ln w="12700" cmpd="sng">
+                <a:solidFill>
+                  <a:schemeClr val="accent4"/>
+                </a:solidFill>
+                <a:prstDash val="solid"/>
+              </a:ln>
+              <a:solidFill>
+                <a:schemeClr val="tx1"/>
+              </a:solidFill>
+              <a:effectLst/>
+              <a:latin typeface="Microsoft YaHei UI" panose="020B0503020204020204" pitchFamily="34" charset="-122"/>
+              <a:ea typeface="Microsoft YaHei UI" panose="020B0503020204020204" pitchFamily="34" charset="-122"/>
+              <a:cs typeface="Microsoft YaHei UI" panose="020B0503020204020204" pitchFamily="34" charset="-122"/>
+            </a:endParaRPr>
+          </a:p>
+        </p:txBody>
+      </p:sp>
+      <p:sp>
+        <p:nvSpPr>
+          <p:cNvPr id="3" name="副标题 2"/>
           <p:cNvSpPr>
             <a:spLocks noGrp="1"/>
           </p:cNvSpPr>
@@ -5053,25 +5144,53 @@
         </p:nvSpPr>
         <p:spPr>
           <a:xfrm>
-            <a:off x="2680163" y="4208528"/>
+            <a:off x="2679528" y="3899918"/>
             <a:ext cx="6831673" cy="1067665"/>
           </a:xfrm>
         </p:spPr>
         <p:txBody>
           <a:bodyPr>
             <a:normAutofit/>
+            <a:scene3d>
+              <a:camera prst="orthographicFront"/>
+              <a:lightRig rig="harsh" dir="t"/>
+            </a:scene3d>
+            <a:sp3d extrusionH="57150" prstMaterial="matte">
+              <a:bevelT w="63500" h="12700" prst="angle"/>
+              <a:contourClr>
+                <a:schemeClr val="bg1">
+                  <a:lumMod val="65000"/>
+                </a:schemeClr>
+              </a:contourClr>
+            </a:sp3d>
           </a:bodyPr>
           <a:lstStyle/>
           <a:p>
             <a:r>
-              <a:rPr lang="zh-CN" altLang="en-US" sz="2800" cap="all" dirty="0">
+              <a:rPr lang="zh-CN" altLang="en-US" sz="2400" b="1" cap="all" dirty="0">
+                <a:ln/>
+                <a:solidFill>
+                  <a:schemeClr val="tx2">
+                    <a:lumMod val="75000"/>
+                    <a:lumOff val="25000"/>
+                  </a:schemeClr>
+                </a:solidFill>
+                <a:effectLst/>
                 <a:latin typeface="Microsoft YaHei UI" panose="020B0503020204020204" pitchFamily="34" charset="-122"/>
                 <a:ea typeface="Microsoft YaHei UI" panose="020B0503020204020204" pitchFamily="34" charset="-122"/>
                 <a:cs typeface="+mj-cs"/>
               </a:rPr>
               <a:t>卫昱阳 沈择善 邹存安 罗雯波</a:t>
             </a:r>
-            <a:endParaRPr lang="en-US" altLang="zh-CN" sz="2800" cap="all" dirty="0">
+            <a:endParaRPr lang="zh-CN" altLang="en-US" sz="2400" b="1" cap="all" dirty="0">
+              <a:ln/>
+              <a:solidFill>
+                <a:schemeClr val="tx2">
+                  <a:lumMod val="75000"/>
+                  <a:lumOff val="25000"/>
+                </a:schemeClr>
+              </a:solidFill>
+              <a:effectLst/>
               <a:latin typeface="Microsoft YaHei UI" panose="020B0503020204020204" pitchFamily="34" charset="-122"/>
               <a:ea typeface="Microsoft YaHei UI" panose="020B0503020204020204" pitchFamily="34" charset="-122"/>
               <a:cs typeface="+mj-cs"/>
@@ -5080,11 +5199,6 @@
         </p:txBody>
       </p:sp>
     </p:spTree>
-    <p:extLst>
-      <p:ext uri="{BB962C8B-B14F-4D97-AF65-F5344CB8AC3E}">
-        <p14:creationId xmlns:p14="http://schemas.microsoft.com/office/powerpoint/2010/main" val="2559820138"/>
-      </p:ext>
-    </p:extLst>
   </p:cSld>
   <p:clrMapOvr>
     <a:masterClrMapping/>
@@ -5111,13 +5225,7 @@
       </p:grpSpPr>
       <p:sp>
         <p:nvSpPr>
-          <p:cNvPr id="2" name="标题 1">
-            <a:extLst>
-              <a:ext uri="{FF2B5EF4-FFF2-40B4-BE49-F238E27FC236}">
-                <a16:creationId xmlns:a16="http://schemas.microsoft.com/office/drawing/2014/main" id="{99C02E1A-BE87-A046-A5D9-61C009615FC8}"/>
-              </a:ext>
-            </a:extLst>
-          </p:cNvPr>
+          <p:cNvPr id="2" name="标题 1"/>
           <p:cNvSpPr>
             <a:spLocks noGrp="1"/>
           </p:cNvSpPr>
@@ -5125,62 +5233,106 @@
             <p:ph type="title"/>
           </p:nvPr>
         </p:nvSpPr>
-        <p:spPr/>
-        <p:txBody>
-          <a:bodyPr/>
+        <p:spPr>
+          <a:xfrm>
+            <a:off x="1295400" y="744855"/>
+            <a:ext cx="10563860" cy="1524000"/>
+          </a:xfrm>
+        </p:spPr>
+        <p:txBody>
+          <a:bodyPr>
+            <a:normAutofit/>
+          </a:bodyPr>
           <a:lstStyle/>
           <a:p>
             <a:r>
-              <a:rPr lang="zh-CN" altLang="en-US" sz="4800" cap="all" dirty="0">
+              <a:rPr lang="zh-CN" altLang="en-US" sz="4800" b="1" cap="all" dirty="0">
                 <a:latin typeface="Microsoft YaHei UI" panose="020B0503020204020204" pitchFamily="34" charset="-122"/>
                 <a:ea typeface="Microsoft YaHei UI" panose="020B0503020204020204" pitchFamily="34" charset="-122"/>
               </a:rPr>
               <a:t>游戏展示</a:t>
             </a:r>
-          </a:p>
-        </p:txBody>
-      </p:sp>
-      <p:sp>
-        <p:nvSpPr>
-          <p:cNvPr id="3" name="内容占位符 2">
-            <a:extLst>
-              <a:ext uri="{FF2B5EF4-FFF2-40B4-BE49-F238E27FC236}">
-                <a16:creationId xmlns:a16="http://schemas.microsoft.com/office/drawing/2014/main" id="{18D90A0F-9DF9-1749-B558-AEB93AEB681F}"/>
-              </a:ext>
-            </a:extLst>
-          </p:cNvPr>
-          <p:cNvSpPr>
-            <a:spLocks noGrp="1"/>
-          </p:cNvSpPr>
-          <p:nvPr>
-            <p:ph idx="1"/>
-          </p:nvPr>
-        </p:nvSpPr>
-        <p:spPr/>
-        <p:txBody>
-          <a:bodyPr/>
-          <a:lstStyle/>
-          <a:p>
-            <a:r>
-              <a:rPr lang="zh-CN" altLang="en-US" sz="3600" dirty="0">
+            <a:r>
+              <a:rPr lang="en-US" altLang="zh-CN" sz="4800" b="1" dirty="0">
+                <a:latin typeface="Microsoft YaHei UI" panose="020B0503020204020204" pitchFamily="34" charset="-122"/>
+                <a:ea typeface="Microsoft YaHei UI" panose="020B0503020204020204" pitchFamily="34" charset="-122"/>
+                <a:sym typeface="+mn-ea"/>
+              </a:rPr>
+              <a:t>—— </a:t>
+            </a:r>
+            <a:r>
+              <a:rPr lang="zh-CN" altLang="en-US" sz="4800" b="1" dirty="0">
+                <a:latin typeface="Microsoft YaHei UI" panose="020B0503020204020204" pitchFamily="34" charset="-122"/>
+                <a:ea typeface="Microsoft YaHei UI" panose="020B0503020204020204" pitchFamily="34" charset="-122"/>
+                <a:sym typeface="+mn-ea"/>
+              </a:rPr>
+              <a:t>一起来“鸡你太美”！</a:t>
+            </a:r>
+            <a:br>
+              <a:rPr lang="zh-CN" altLang="en-US" sz="4800" b="1" dirty="0">
                 <a:latin typeface="Microsoft YaHei UI" panose="020B0503020204020204" pitchFamily="34" charset="-122"/>
                 <a:ea typeface="Microsoft YaHei UI" panose="020B0503020204020204" pitchFamily="34" charset="-122"/>
                 <a:cs typeface="+mj-cs"/>
               </a:rPr>
-              <a:t>一起来“鸡你太美”！</a:t>
-            </a:r>
+            </a:br>
+            <a:endParaRPr lang="zh-CN" altLang="en-US" sz="4800" b="1" cap="all" dirty="0">
+              <a:latin typeface="Microsoft YaHei UI" panose="020B0503020204020204" pitchFamily="34" charset="-122"/>
+              <a:ea typeface="Microsoft YaHei UI" panose="020B0503020204020204" pitchFamily="34" charset="-122"/>
+            </a:endParaRPr>
           </a:p>
         </p:txBody>
       </p:sp>
       <p:pic>
         <p:nvPicPr>
-          <p:cNvPr id="5" name="图片 4">
-            <a:extLst>
-              <a:ext uri="{FF2B5EF4-FFF2-40B4-BE49-F238E27FC236}">
-                <a16:creationId xmlns:a16="http://schemas.microsoft.com/office/drawing/2014/main" id="{F3BA0661-9888-A14D-95BC-68E8A07CDCA2}"/>
-              </a:ext>
-            </a:extLst>
-          </p:cNvPr>
+          <p:cNvPr id="5" name="图片 4"/>
+          <p:cNvPicPr>
+            <a:picLocks noChangeAspect="1"/>
+          </p:cNvPicPr>
+          <p:nvPr/>
+        </p:nvPicPr>
+        <p:blipFill>
+          <a:blip r:embed="rId1"/>
+          <a:stretch>
+            <a:fillRect/>
+          </a:stretch>
+        </p:blipFill>
+        <p:spPr>
+          <a:xfrm>
+            <a:off x="5559425" y="1838960"/>
+            <a:ext cx="2176145" cy="4353560"/>
+          </a:xfrm>
+          <a:prstGeom prst="rect">
+            <a:avLst/>
+          </a:prstGeom>
+        </p:spPr>
+      </p:pic>
+      <p:pic>
+        <p:nvPicPr>
+          <p:cNvPr id="7" name="图片 6"/>
+          <p:cNvPicPr>
+            <a:picLocks noChangeAspect="1"/>
+          </p:cNvPicPr>
+          <p:nvPr/>
+        </p:nvPicPr>
+        <p:blipFill>
+          <a:blip r:embed="rId2"/>
+          <a:stretch>
+            <a:fillRect/>
+          </a:stretch>
+        </p:blipFill>
+        <p:spPr>
+          <a:xfrm>
+            <a:off x="8766175" y="1845945"/>
+            <a:ext cx="2160905" cy="4322445"/>
+          </a:xfrm>
+          <a:prstGeom prst="rect">
+            <a:avLst/>
+          </a:prstGeom>
+        </p:spPr>
+      </p:pic>
+      <p:pic>
+        <p:nvPicPr>
+          <p:cNvPr id="9" name="图片 8"/>
           <p:cNvPicPr>
             <a:picLocks noChangeAspect="1"/>
           </p:cNvPicPr>
@@ -5194,80 +5346,15 @@
         </p:blipFill>
         <p:spPr>
           <a:xfrm>
-            <a:off x="6096000" y="1428748"/>
-            <a:ext cx="2469524" cy="4939048"/>
+            <a:off x="1355090" y="2459990"/>
+            <a:ext cx="3620135" cy="2117090"/>
           </a:xfrm>
           <a:prstGeom prst="rect">
             <a:avLst/>
           </a:prstGeom>
         </p:spPr>
       </p:pic>
-      <p:pic>
-        <p:nvPicPr>
-          <p:cNvPr id="7" name="图片 6">
-            <a:extLst>
-              <a:ext uri="{FF2B5EF4-FFF2-40B4-BE49-F238E27FC236}">
-                <a16:creationId xmlns:a16="http://schemas.microsoft.com/office/drawing/2014/main" id="{F4C20D73-8F94-C249-8AD5-CD08618F8D2C}"/>
-              </a:ext>
-            </a:extLst>
-          </p:cNvPr>
-          <p:cNvPicPr>
-            <a:picLocks noChangeAspect="1"/>
-          </p:cNvPicPr>
-          <p:nvPr/>
-        </p:nvPicPr>
-        <p:blipFill>
-          <a:blip r:embed="rId4"/>
-          <a:stretch>
-            <a:fillRect/>
-          </a:stretch>
-        </p:blipFill>
-        <p:spPr>
-          <a:xfrm>
-            <a:off x="8850469" y="1428746"/>
-            <a:ext cx="2469525" cy="4939050"/>
-          </a:xfrm>
-          <a:prstGeom prst="rect">
-            <a:avLst/>
-          </a:prstGeom>
-        </p:spPr>
-      </p:pic>
-      <p:pic>
-        <p:nvPicPr>
-          <p:cNvPr id="9" name="图片 8">
-            <a:extLst>
-              <a:ext uri="{FF2B5EF4-FFF2-40B4-BE49-F238E27FC236}">
-                <a16:creationId xmlns:a16="http://schemas.microsoft.com/office/drawing/2014/main" id="{2302A8BC-CC69-C847-8FAA-316F52B66129}"/>
-              </a:ext>
-            </a:extLst>
-          </p:cNvPr>
-          <p:cNvPicPr>
-            <a:picLocks noChangeAspect="1"/>
-          </p:cNvPicPr>
-          <p:nvPr/>
-        </p:nvPicPr>
-        <p:blipFill>
-          <a:blip r:embed="rId5"/>
-          <a:stretch>
-            <a:fillRect/>
-          </a:stretch>
-        </p:blipFill>
-        <p:spPr>
-          <a:xfrm>
-            <a:off x="1469800" y="3364585"/>
-            <a:ext cx="4279006" cy="2502815"/>
-          </a:xfrm>
-          <a:prstGeom prst="rect">
-            <a:avLst/>
-          </a:prstGeom>
-        </p:spPr>
-      </p:pic>
     </p:spTree>
-    <p:extLst>
-      <p:ext uri="{BB962C8B-B14F-4D97-AF65-F5344CB8AC3E}">
-        <p14:creationId xmlns:p14="http://schemas.microsoft.com/office/powerpoint/2010/main" val="3246556462"/>
-      </p:ext>
-    </p:extLst>
   </p:cSld>
   <p:clrMapOvr>
     <a:masterClrMapping/>
@@ -5294,13 +5381,7 @@
       </p:grpSpPr>
       <p:sp>
         <p:nvSpPr>
-          <p:cNvPr id="2" name="标题 1">
-            <a:extLst>
-              <a:ext uri="{FF2B5EF4-FFF2-40B4-BE49-F238E27FC236}">
-                <a16:creationId xmlns:a16="http://schemas.microsoft.com/office/drawing/2014/main" id="{F3396AE3-1485-704E-9C3D-8B2D73FAD5FC}"/>
-              </a:ext>
-            </a:extLst>
-          </p:cNvPr>
+          <p:cNvPr id="2" name="标题 1"/>
           <p:cNvSpPr>
             <a:spLocks noGrp="1"/>
           </p:cNvSpPr>
@@ -5310,7 +5391,7 @@
         </p:nvSpPr>
         <p:spPr>
           <a:xfrm>
-            <a:off x="1295400" y="2686050"/>
+            <a:off x="1504315" y="2457450"/>
             <a:ext cx="9601200" cy="1485900"/>
           </a:xfrm>
         </p:spPr>
@@ -5322,31 +5403,29 @@
           <a:p>
             <a:pPr algn="ctr"/>
             <a:r>
-              <a:rPr kumimoji="1" lang="en-US" altLang="zh-CN" sz="6000" dirty="0"/>
-              <a:t>Thanks~</a:t>
-            </a:r>
-            <a:endParaRPr kumimoji="1" lang="zh-CN" altLang="en-US" sz="6000" dirty="0"/>
-          </a:p>
-        </p:txBody>
-      </p:sp>
-      <p:sp>
-        <p:nvSpPr>
-          <p:cNvPr id="3" name="标题 1">
-            <a:extLst>
-              <a:ext uri="{FF2B5EF4-FFF2-40B4-BE49-F238E27FC236}">
-                <a16:creationId xmlns:a16="http://schemas.microsoft.com/office/drawing/2014/main" id="{EBFEE855-7C20-DA49-BC48-07A036C82BD2}"/>
-              </a:ext>
-            </a:extLst>
-          </p:cNvPr>
-          <p:cNvSpPr txBox="1">
-            <a:spLocks/>
-          </p:cNvSpPr>
+              <a:rPr kumimoji="1" lang="zh-CN" sz="6000" b="1" dirty="0">
+                <a:latin typeface="黑体" panose="02010609060101010101" charset="-122"/>
+                <a:ea typeface="黑体" panose="02010609060101010101" charset="-122"/>
+              </a:rPr>
+              <a:t>感谢观看！</a:t>
+            </a:r>
+            <a:endParaRPr kumimoji="1" lang="zh-CN" sz="6000" b="1" dirty="0">
+              <a:latin typeface="黑体" panose="02010609060101010101" charset="-122"/>
+              <a:ea typeface="黑体" panose="02010609060101010101" charset="-122"/>
+            </a:endParaRPr>
+          </a:p>
+        </p:txBody>
+      </p:sp>
+      <p:sp>
+        <p:nvSpPr>
+          <p:cNvPr id="3" name="标题 1"/>
+          <p:cNvSpPr txBox="1"/>
           <p:nvPr/>
         </p:nvSpPr>
         <p:spPr>
           <a:xfrm>
-            <a:off x="1295400" y="4171950"/>
-            <a:ext cx="9601200" cy="1485900"/>
+            <a:off x="5066030" y="4171950"/>
+            <a:ext cx="1887220" cy="1485900"/>
           </a:xfrm>
           <a:prstGeom prst="rect">
             <a:avLst/>
@@ -5378,19 +5457,20 @@
           <a:p>
             <a:pPr algn="ctr"/>
             <a:r>
-              <a:rPr kumimoji="1" lang="en-US" altLang="zh-CN" dirty="0"/>
+              <a:rPr kumimoji="1" lang="en-US" altLang="zh-CN" dirty="0">
+                <a:latin typeface="黑体" panose="02010609060101010101" charset="-122"/>
+                <a:ea typeface="黑体" panose="02010609060101010101" charset="-122"/>
+              </a:rPr>
               <a:t>Q&amp;A</a:t>
             </a:r>
-            <a:endParaRPr kumimoji="1" lang="zh-CN" altLang="en-US" dirty="0"/>
+            <a:endParaRPr kumimoji="1" lang="zh-CN" altLang="en-US" dirty="0">
+              <a:latin typeface="黑体" panose="02010609060101010101" charset="-122"/>
+              <a:ea typeface="黑体" panose="02010609060101010101" charset="-122"/>
+            </a:endParaRPr>
           </a:p>
         </p:txBody>
       </p:sp>
     </p:spTree>
-    <p:extLst>
-      <p:ext uri="{BB962C8B-B14F-4D97-AF65-F5344CB8AC3E}">
-        <p14:creationId xmlns:p14="http://schemas.microsoft.com/office/powerpoint/2010/main" val="1321513745"/>
-      </p:ext>
-    </p:extLst>
   </p:cSld>
   <p:clrMapOvr>
     <a:masterClrMapping/>
@@ -5417,13 +5497,7 @@
       </p:grpSpPr>
       <p:sp>
         <p:nvSpPr>
-          <p:cNvPr id="2" name="标题 1">
-            <a:extLst>
-              <a:ext uri="{FF2B5EF4-FFF2-40B4-BE49-F238E27FC236}">
-                <a16:creationId xmlns:a16="http://schemas.microsoft.com/office/drawing/2014/main" id="{D5A7A9CA-8E34-DC47-81C6-2C22F497B227}"/>
-              </a:ext>
-            </a:extLst>
-          </p:cNvPr>
+          <p:cNvPr id="2" name="标题 1"/>
           <p:cNvSpPr>
             <a:spLocks noGrp="1"/>
           </p:cNvSpPr>
@@ -5439,19 +5513,19 @@
         </p:spPr>
         <p:txBody>
           <a:bodyPr>
-            <a:normAutofit/>
+            <a:noAutofit/>
           </a:bodyPr>
           <a:lstStyle/>
           <a:p>
             <a:pPr algn="ctr"/>
             <a:r>
-              <a:rPr lang="en-US" altLang="zh-CN" sz="4800" cap="all" dirty="0">
+              <a:rPr lang="en-US" altLang="zh-CN" sz="5400" b="1" cap="all" dirty="0">
                 <a:latin typeface="Microsoft YaHei UI" panose="020B0503020204020204" pitchFamily="34" charset="-122"/>
                 <a:ea typeface="Microsoft YaHei UI" panose="020B0503020204020204" pitchFamily="34" charset="-122"/>
               </a:rPr>
               <a:t>Outline</a:t>
             </a:r>
-            <a:endParaRPr lang="zh-CN" altLang="en-US" sz="4800" cap="all" dirty="0">
+            <a:endParaRPr lang="en-US" altLang="zh-CN" sz="5400" b="1" cap="all" dirty="0">
               <a:latin typeface="Microsoft YaHei UI" panose="020B0503020204020204" pitchFamily="34" charset="-122"/>
               <a:ea typeface="Microsoft YaHei UI" panose="020B0503020204020204" pitchFamily="34" charset="-122"/>
             </a:endParaRPr>
@@ -5460,13 +5534,7 @@
       </p:sp>
       <p:sp>
         <p:nvSpPr>
-          <p:cNvPr id="3" name="内容占位符 2">
-            <a:extLst>
-              <a:ext uri="{FF2B5EF4-FFF2-40B4-BE49-F238E27FC236}">
-                <a16:creationId xmlns:a16="http://schemas.microsoft.com/office/drawing/2014/main" id="{99AFCDAA-0AE4-4840-89FE-9E2B51211E90}"/>
-              </a:ext>
-            </a:extLst>
-          </p:cNvPr>
+          <p:cNvPr id="3" name="内容占位符 2"/>
           <p:cNvSpPr>
             <a:spLocks noGrp="1"/>
           </p:cNvSpPr>
@@ -5476,13 +5544,13 @@
         </p:nvSpPr>
         <p:spPr>
           <a:xfrm>
-            <a:off x="1371600" y="2037693"/>
-            <a:ext cx="9601200" cy="3581400"/>
+            <a:off x="5187315" y="2226310"/>
+            <a:ext cx="3723640" cy="3581400"/>
           </a:xfrm>
         </p:spPr>
         <p:txBody>
           <a:bodyPr>
-            <a:normAutofit lnSpcReduction="10000"/>
+            <a:normAutofit lnSpcReduction="20000"/>
           </a:bodyPr>
           <a:lstStyle/>
           <a:p>
@@ -5501,6 +5569,9 @@
             </a:endParaRPr>
           </a:p>
           <a:p>
+            <a:pPr marL="0" indent="0">
+              <a:buNone/>
+            </a:pPr>
             <a:endParaRPr lang="en-US" altLang="zh-CN" sz="2800" cap="all" dirty="0">
               <a:latin typeface="Microsoft YaHei UI" panose="020B0503020204020204" pitchFamily="34" charset="-122"/>
               <a:ea typeface="Microsoft YaHei UI" panose="020B0503020204020204" pitchFamily="34" charset="-122"/>
@@ -5560,15 +5631,15 @@
               </a:rPr>
               <a:t>游戏展示</a:t>
             </a:r>
+            <a:endParaRPr lang="zh-CN" altLang="en-US" sz="2800" cap="all" dirty="0">
+              <a:latin typeface="Microsoft YaHei UI" panose="020B0503020204020204" pitchFamily="34" charset="-122"/>
+              <a:ea typeface="Microsoft YaHei UI" panose="020B0503020204020204" pitchFamily="34" charset="-122"/>
+              <a:cs typeface="+mj-cs"/>
+            </a:endParaRPr>
           </a:p>
         </p:txBody>
       </p:sp>
     </p:spTree>
-    <p:extLst>
-      <p:ext uri="{BB962C8B-B14F-4D97-AF65-F5344CB8AC3E}">
-        <p14:creationId xmlns:p14="http://schemas.microsoft.com/office/powerpoint/2010/main" val="3353882339"/>
-      </p:ext>
-    </p:extLst>
   </p:cSld>
   <p:clrMapOvr>
     <a:masterClrMapping/>
@@ -5595,13 +5666,7 @@
       </p:grpSpPr>
       <p:sp>
         <p:nvSpPr>
-          <p:cNvPr id="2" name="标题 1">
-            <a:extLst>
-              <a:ext uri="{FF2B5EF4-FFF2-40B4-BE49-F238E27FC236}">
-                <a16:creationId xmlns:a16="http://schemas.microsoft.com/office/drawing/2014/main" id="{730DF67E-19C4-654A-BC94-B1F3CE74F33E}"/>
-              </a:ext>
-            </a:extLst>
-          </p:cNvPr>
+          <p:cNvPr id="2" name="标题 1"/>
           <p:cNvSpPr>
             <a:spLocks noGrp="1"/>
           </p:cNvSpPr>
@@ -5617,24 +5682,22 @@
           <a:lstStyle/>
           <a:p>
             <a:r>
-              <a:rPr lang="zh-CN" altLang="en-US" sz="4800" cap="all" dirty="0">
+              <a:rPr lang="zh-CN" altLang="en-US" sz="4800" b="1" cap="all" dirty="0">
                 <a:latin typeface="Microsoft YaHei UI" panose="020B0503020204020204" pitchFamily="34" charset="-122"/>
                 <a:ea typeface="Microsoft YaHei UI" panose="020B0503020204020204" pitchFamily="34" charset="-122"/>
               </a:rPr>
               <a:t>设计灵感</a:t>
             </a:r>
-          </a:p>
-        </p:txBody>
-      </p:sp>
-      <p:sp>
-        <p:nvSpPr>
-          <p:cNvPr id="3" name="内容占位符 2">
-            <a:extLst>
-              <a:ext uri="{FF2B5EF4-FFF2-40B4-BE49-F238E27FC236}">
-                <a16:creationId xmlns:a16="http://schemas.microsoft.com/office/drawing/2014/main" id="{9C453B0D-FE74-5A44-81D3-2F5BAB504F8F}"/>
-              </a:ext>
-            </a:extLst>
-          </p:cNvPr>
+            <a:endParaRPr lang="zh-CN" altLang="en-US" sz="4800" b="1" cap="all" dirty="0">
+              <a:latin typeface="Microsoft YaHei UI" panose="020B0503020204020204" pitchFamily="34" charset="-122"/>
+              <a:ea typeface="Microsoft YaHei UI" panose="020B0503020204020204" pitchFamily="34" charset="-122"/>
+            </a:endParaRPr>
+          </a:p>
+        </p:txBody>
+      </p:sp>
+      <p:sp>
+        <p:nvSpPr>
+          <p:cNvPr id="3" name="内容占位符 2"/>
           <p:cNvSpPr>
             <a:spLocks noGrp="1"/>
           </p:cNvSpPr>
@@ -5659,7 +5722,7 @@
                 <a:latin typeface="Microsoft YaHei UI" panose="020B0503020204020204" pitchFamily="34" charset="-122"/>
                 <a:ea typeface="Microsoft YaHei UI" panose="020B0503020204020204" pitchFamily="34" charset="-122"/>
                 <a:cs typeface="+mj-cs"/>
-                <a:hlinkClick r:id="rId2"/>
+                <a:hlinkClick r:id="rId1"/>
               </a:rPr>
               <a:t>蔡徐坤打篮球</a:t>
             </a:r>
@@ -5677,6 +5740,9 @@
             </a:endParaRPr>
           </a:p>
           <a:p>
+            <a:pPr marL="0" indent="0">
+              <a:buNone/>
+            </a:pPr>
             <a:endParaRPr lang="en-US" altLang="zh-CN" sz="2800" cap="all" dirty="0">
               <a:latin typeface="Microsoft YaHei UI" panose="020B0503020204020204" pitchFamily="34" charset="-122"/>
               <a:ea typeface="Microsoft YaHei UI" panose="020B0503020204020204" pitchFamily="34" charset="-122"/>
@@ -5689,7 +5755,7 @@
                 <a:latin typeface="Microsoft YaHei UI" panose="020B0503020204020204" pitchFamily="34" charset="-122"/>
                 <a:ea typeface="Microsoft YaHei UI" panose="020B0503020204020204" pitchFamily="34" charset="-122"/>
                 <a:cs typeface="+mj-cs"/>
-                <a:hlinkClick r:id="rId3"/>
+                <a:hlinkClick r:id="rId2"/>
               </a:rPr>
               <a:t>你干嘛哈哈哎哟</a:t>
             </a:r>
@@ -5703,28 +5769,22 @@
       </p:sp>
       <p:pic>
         <p:nvPicPr>
-          <p:cNvPr id="5" name="图片 4">
-            <a:extLst>
-              <a:ext uri="{FF2B5EF4-FFF2-40B4-BE49-F238E27FC236}">
-                <a16:creationId xmlns:a16="http://schemas.microsoft.com/office/drawing/2014/main" id="{3C163B42-F140-044D-99B2-727E11046A53}"/>
-              </a:ext>
-            </a:extLst>
-          </p:cNvPr>
+          <p:cNvPr id="5" name="图片 4"/>
           <p:cNvPicPr>
             <a:picLocks noChangeAspect="1"/>
           </p:cNvPicPr>
           <p:nvPr/>
         </p:nvPicPr>
         <p:blipFill>
-          <a:blip r:embed="rId4"/>
+          <a:blip r:embed="rId3"/>
           <a:stretch>
             <a:fillRect/>
           </a:stretch>
         </p:blipFill>
         <p:spPr>
           <a:xfrm>
-            <a:off x="5637924" y="1428750"/>
-            <a:ext cx="5334876" cy="4571296"/>
+            <a:off x="6432550" y="1848485"/>
+            <a:ext cx="4450715" cy="3813810"/>
           </a:xfrm>
           <a:prstGeom prst="rect">
             <a:avLst/>
@@ -5732,11 +5792,6 @@
         </p:spPr>
       </p:pic>
     </p:spTree>
-    <p:extLst>
-      <p:ext uri="{BB962C8B-B14F-4D97-AF65-F5344CB8AC3E}">
-        <p14:creationId xmlns:p14="http://schemas.microsoft.com/office/powerpoint/2010/main" val="982511390"/>
-      </p:ext>
-    </p:extLst>
   </p:cSld>
   <p:clrMapOvr>
     <a:masterClrMapping/>
@@ -5763,13 +5818,7 @@
       </p:grpSpPr>
       <p:sp>
         <p:nvSpPr>
-          <p:cNvPr id="2" name="标题 1">
-            <a:extLst>
-              <a:ext uri="{FF2B5EF4-FFF2-40B4-BE49-F238E27FC236}">
-                <a16:creationId xmlns:a16="http://schemas.microsoft.com/office/drawing/2014/main" id="{720A7BBB-3D54-F844-948B-F68E2B2B0E5F}"/>
-              </a:ext>
-            </a:extLst>
-          </p:cNvPr>
+          <p:cNvPr id="2" name="标题 1"/>
           <p:cNvSpPr>
             <a:spLocks noGrp="1"/>
           </p:cNvSpPr>
@@ -5783,24 +5832,22 @@
           <a:lstStyle/>
           <a:p>
             <a:r>
-              <a:rPr lang="zh-CN" altLang="en-US" sz="4800" cap="all" dirty="0">
+              <a:rPr lang="zh-CN" altLang="en-US" sz="4800" b="1" cap="all" dirty="0">
                 <a:latin typeface="Microsoft YaHei UI" panose="020B0503020204020204" pitchFamily="34" charset="-122"/>
                 <a:ea typeface="Microsoft YaHei UI" panose="020B0503020204020204" pitchFamily="34" charset="-122"/>
               </a:rPr>
               <a:t>项目进展</a:t>
             </a:r>
-          </a:p>
-        </p:txBody>
-      </p:sp>
-      <p:sp>
-        <p:nvSpPr>
-          <p:cNvPr id="3" name="内容占位符 2">
-            <a:extLst>
-              <a:ext uri="{FF2B5EF4-FFF2-40B4-BE49-F238E27FC236}">
-                <a16:creationId xmlns:a16="http://schemas.microsoft.com/office/drawing/2014/main" id="{47BF4AB4-A3D2-0E42-BE9F-9BA66A741DBB}"/>
-              </a:ext>
-            </a:extLst>
-          </p:cNvPr>
+            <a:endParaRPr lang="zh-CN" altLang="en-US" sz="4800" b="1" cap="all" dirty="0">
+              <a:latin typeface="Microsoft YaHei UI" panose="020B0503020204020204" pitchFamily="34" charset="-122"/>
+              <a:ea typeface="Microsoft YaHei UI" panose="020B0503020204020204" pitchFamily="34" charset="-122"/>
+            </a:endParaRPr>
+          </a:p>
+        </p:txBody>
+      </p:sp>
+      <p:sp>
+        <p:nvSpPr>
+          <p:cNvPr id="3" name="内容占位符 2"/>
           <p:cNvSpPr>
             <a:spLocks noGrp="1"/>
           </p:cNvSpPr>
@@ -5810,7 +5857,7 @@
         </p:nvSpPr>
         <p:spPr>
           <a:xfrm>
-            <a:off x="1371600" y="1428750"/>
+            <a:off x="935355" y="1706245"/>
             <a:ext cx="9601200" cy="5429250"/>
           </a:xfrm>
         </p:spPr>
@@ -5820,24 +5867,29 @@
           </a:bodyPr>
           <a:lstStyle/>
           <a:p>
-            <a:r>
-              <a:rPr lang="en-US" altLang="zh-CN" sz="1800" cap="all" dirty="0">
+            <a:pPr indent="0" fontAlgn="auto">
+              <a:lnSpc>
+                <a:spcPct val="100000"/>
+              </a:lnSpc>
+            </a:pPr>
+            <a:r>
+              <a:rPr lang="en-US" altLang="zh-CN" sz="2200" cap="all" dirty="0">
                 <a:latin typeface="Microsoft YaHei UI" panose="020B0503020204020204" pitchFamily="34" charset="-122"/>
                 <a:ea typeface="Microsoft YaHei UI" panose="020B0503020204020204" pitchFamily="34" charset="-122"/>
                 <a:cs typeface="+mj-cs"/>
               </a:rPr>
-              <a:t>1.0.0</a:t>
-            </a:r>
-            <a:r>
-              <a:rPr lang="zh-CN" altLang="en-US" sz="1800" cap="all" dirty="0">
+              <a:t>1.0.0 </a:t>
+            </a:r>
+            <a:r>
+              <a:rPr lang="zh-CN" altLang="en-US" sz="2200" cap="all" dirty="0">
                 <a:latin typeface="Microsoft YaHei UI" panose="020B0503020204020204" pitchFamily="34" charset="-122"/>
                 <a:ea typeface="Microsoft YaHei UI" panose="020B0503020204020204" pitchFamily="34" charset="-122"/>
                 <a:cs typeface="+mj-cs"/>
               </a:rPr>
-              <a:t> </a:t>
-            </a:r>
-            <a:r>
-              <a:rPr lang="zh-CN" altLang="en-US" sz="1800" i="0" cap="all" dirty="0">
+              <a:t>  </a:t>
+            </a:r>
+            <a:r>
+              <a:rPr lang="zh-CN" altLang="en-US" sz="2200" i="0" cap="all" dirty="0">
                 <a:latin typeface="Microsoft YaHei UI" panose="020B0503020204020204" pitchFamily="34" charset="-122"/>
                 <a:ea typeface="Microsoft YaHei UI" panose="020B0503020204020204" pitchFamily="34" charset="-122"/>
                 <a:cs typeface="+mj-cs"/>
@@ -5845,7 +5897,7 @@
               <a:t>混沌初开，</a:t>
             </a:r>
             <a:r>
-              <a:rPr lang="en-US" altLang="zh-CN" sz="1800" i="0" cap="all" dirty="0" err="1">
+              <a:rPr lang="en-US" altLang="zh-CN" sz="2200" i="0" cap="all" dirty="0" err="1">
                 <a:latin typeface="Microsoft YaHei UI" panose="020B0503020204020204" pitchFamily="34" charset="-122"/>
                 <a:ea typeface="Microsoft YaHei UI" panose="020B0503020204020204" pitchFamily="34" charset="-122"/>
                 <a:cs typeface="+mj-cs"/>
@@ -5853,63 +5905,101 @@
               <a:t>kunkun</a:t>
             </a:r>
             <a:r>
-              <a:rPr lang="zh-CN" altLang="en-US" sz="1800" i="0" cap="all" dirty="0">
+              <a:rPr lang="zh-CN" altLang="en-US" sz="2200" i="0" cap="all" dirty="0">
                 <a:latin typeface="Microsoft YaHei UI" panose="020B0503020204020204" pitchFamily="34" charset="-122"/>
                 <a:ea typeface="Microsoft YaHei UI" panose="020B0503020204020204" pitchFamily="34" charset="-122"/>
                 <a:cs typeface="+mj-cs"/>
               </a:rPr>
               <a:t>降临</a:t>
             </a:r>
-            <a:endParaRPr lang="en-US" altLang="zh-CN" sz="1800" i="0" cap="all" dirty="0">
+            <a:endParaRPr lang="zh-CN" altLang="en-US" sz="2200" i="0" cap="all" dirty="0">
               <a:latin typeface="Microsoft YaHei UI" panose="020B0503020204020204" pitchFamily="34" charset="-122"/>
               <a:ea typeface="Microsoft YaHei UI" panose="020B0503020204020204" pitchFamily="34" charset="-122"/>
               <a:cs typeface="+mj-cs"/>
             </a:endParaRPr>
           </a:p>
           <a:p>
-            <a:endParaRPr lang="zh-CN" altLang="en-US" sz="1800" i="0" cap="all" dirty="0">
+            <a:pPr indent="0" fontAlgn="auto">
+              <a:lnSpc>
+                <a:spcPct val="100000"/>
+              </a:lnSpc>
+            </a:pPr>
+            <a:r>
+              <a:rPr lang="en-US" altLang="zh-CN" sz="2200" cap="all" dirty="0">
+                <a:latin typeface="Microsoft YaHei UI" panose="020B0503020204020204" pitchFamily="34" charset="-122"/>
+                <a:ea typeface="Microsoft YaHei UI" panose="020B0503020204020204" pitchFamily="34" charset="-122"/>
+                <a:cs typeface="+mj-cs"/>
+              </a:rPr>
+              <a:t>1.0.1</a:t>
+            </a:r>
+            <a:r>
+              <a:rPr lang="zh-CN" altLang="en-US" sz="2200" cap="all" dirty="0">
+                <a:latin typeface="Microsoft YaHei UI" panose="020B0503020204020204" pitchFamily="34" charset="-122"/>
+                <a:ea typeface="Microsoft YaHei UI" panose="020B0503020204020204" pitchFamily="34" charset="-122"/>
+                <a:cs typeface="+mj-cs"/>
+              </a:rPr>
+              <a:t>   </a:t>
+            </a:r>
+            <a:r>
+              <a:rPr lang="zh-CN" altLang="en-US" sz="2200" i="0" cap="all" dirty="0">
+                <a:latin typeface="Microsoft YaHei UI" panose="020B0503020204020204" pitchFamily="34" charset="-122"/>
+                <a:ea typeface="Microsoft YaHei UI" panose="020B0503020204020204" pitchFamily="34" charset="-122"/>
+                <a:cs typeface="+mj-cs"/>
+              </a:rPr>
+              <a:t>更新了游戏背景音乐</a:t>
+            </a:r>
+            <a:endParaRPr lang="en-US" altLang="zh-CN" sz="2200" i="0" cap="all" dirty="0">
               <a:latin typeface="Microsoft YaHei UI" panose="020B0503020204020204" pitchFamily="34" charset="-122"/>
               <a:ea typeface="Microsoft YaHei UI" panose="020B0503020204020204" pitchFamily="34" charset="-122"/>
               <a:cs typeface="+mj-cs"/>
             </a:endParaRPr>
           </a:p>
           <a:p>
-            <a:r>
-              <a:rPr lang="en-US" altLang="zh-CN" sz="1800" cap="all" dirty="0">
+            <a:pPr marL="0" indent="0" fontAlgn="auto">
+              <a:lnSpc>
+                <a:spcPct val="100000"/>
+              </a:lnSpc>
+              <a:buNone/>
+            </a:pPr>
+            <a:r>
+              <a:rPr lang="en-US" altLang="zh-CN" sz="2200" cap="all" dirty="0">
                 <a:latin typeface="Microsoft YaHei UI" panose="020B0503020204020204" pitchFamily="34" charset="-122"/>
                 <a:ea typeface="Microsoft YaHei UI" panose="020B0503020204020204" pitchFamily="34" charset="-122"/>
                 <a:cs typeface="+mj-cs"/>
               </a:rPr>
-              <a:t>1.0.1</a:t>
-            </a:r>
-            <a:r>
-              <a:rPr lang="zh-CN" altLang="en-US" sz="1800" cap="all" dirty="0">
+              <a:t>	</a:t>
+            </a:r>
+            <a:r>
+              <a:rPr lang="zh-CN" altLang="en-US" sz="2200" cap="all" dirty="0">
                 <a:latin typeface="Microsoft YaHei UI" panose="020B0503020204020204" pitchFamily="34" charset="-122"/>
                 <a:ea typeface="Microsoft YaHei UI" panose="020B0503020204020204" pitchFamily="34" charset="-122"/>
                 <a:cs typeface="+mj-cs"/>
               </a:rPr>
-              <a:t> </a:t>
-            </a:r>
-            <a:r>
-              <a:rPr lang="zh-CN" altLang="en-US" sz="1800" i="0" cap="all" dirty="0">
+              <a:t>        </a:t>
+            </a:r>
+            <a:r>
+              <a:rPr lang="zh-CN" altLang="en-US" sz="2200" i="0" cap="all" dirty="0">
                 <a:latin typeface="Microsoft YaHei UI" panose="020B0503020204020204" pitchFamily="34" charset="-122"/>
                 <a:ea typeface="Microsoft YaHei UI" panose="020B0503020204020204" pitchFamily="34" charset="-122"/>
                 <a:cs typeface="+mj-cs"/>
               </a:rPr>
-              <a:t>更新了游戏背景音乐</a:t>
-            </a:r>
-            <a:endParaRPr lang="en-US" altLang="zh-CN" sz="1800" i="0" cap="all" dirty="0">
+              <a:t>加入了游戏说明</a:t>
+            </a:r>
+            <a:endParaRPr lang="zh-CN" altLang="en-US" sz="2200" i="0" cap="all" dirty="0">
               <a:latin typeface="Microsoft YaHei UI" panose="020B0503020204020204" pitchFamily="34" charset="-122"/>
               <a:ea typeface="Microsoft YaHei UI" panose="020B0503020204020204" pitchFamily="34" charset="-122"/>
               <a:cs typeface="+mj-cs"/>
             </a:endParaRPr>
           </a:p>
           <a:p>
-            <a:pPr marL="0" indent="0">
+            <a:pPr marL="530225" lvl="1" indent="0" fontAlgn="auto">
+              <a:lnSpc>
+                <a:spcPct val="100000"/>
+              </a:lnSpc>
               <a:buNone/>
             </a:pPr>
             <a:r>
-              <a:rPr lang="en-US" altLang="zh-CN" sz="1800" cap="all" dirty="0">
+              <a:rPr lang="en-US" altLang="zh-CN" sz="2200" i="0" cap="all" dirty="0">
                 <a:latin typeface="Microsoft YaHei UI" panose="020B0503020204020204" pitchFamily="34" charset="-122"/>
                 <a:ea typeface="Microsoft YaHei UI" panose="020B0503020204020204" pitchFamily="34" charset="-122"/>
                 <a:cs typeface="+mj-cs"/>
@@ -5917,144 +6007,121 @@
               <a:t>	</a:t>
             </a:r>
             <a:r>
-              <a:rPr lang="zh-CN" altLang="en-US" sz="1800" cap="all" dirty="0">
+              <a:rPr lang="zh-CN" altLang="en-US" sz="2200" i="0" cap="all" dirty="0">
                 <a:latin typeface="Microsoft YaHei UI" panose="020B0503020204020204" pitchFamily="34" charset="-122"/>
                 <a:ea typeface="Microsoft YaHei UI" panose="020B0503020204020204" pitchFamily="34" charset="-122"/>
                 <a:cs typeface="+mj-cs"/>
               </a:rPr>
-              <a:t> </a:t>
-            </a:r>
-            <a:r>
-              <a:rPr lang="zh-CN" altLang="en-US" sz="1800" i="0" cap="all" dirty="0">
-                <a:latin typeface="Microsoft YaHei UI" panose="020B0503020204020204" pitchFamily="34" charset="-122"/>
-                <a:ea typeface="Microsoft YaHei UI" panose="020B0503020204020204" pitchFamily="34" charset="-122"/>
-                <a:cs typeface="+mj-cs"/>
-              </a:rPr>
-              <a:t>加入了游戏说明</a:t>
-            </a:r>
-          </a:p>
-          <a:p>
-            <a:pPr marL="530352" lvl="1" indent="0">
-              <a:buNone/>
-            </a:pPr>
-            <a:r>
-              <a:rPr lang="en-US" altLang="zh-CN" sz="1800" i="0" cap="all" dirty="0">
-                <a:latin typeface="Microsoft YaHei UI" panose="020B0503020204020204" pitchFamily="34" charset="-122"/>
-                <a:ea typeface="Microsoft YaHei UI" panose="020B0503020204020204" pitchFamily="34" charset="-122"/>
-                <a:cs typeface="+mj-cs"/>
-              </a:rPr>
-              <a:t>	</a:t>
-            </a:r>
-            <a:r>
-              <a:rPr lang="zh-CN" altLang="en-US" sz="1800" i="0" cap="all" dirty="0">
-                <a:latin typeface="Microsoft YaHei UI" panose="020B0503020204020204" pitchFamily="34" charset="-122"/>
-                <a:ea typeface="Microsoft YaHei UI" panose="020B0503020204020204" pitchFamily="34" charset="-122"/>
-                <a:cs typeface="+mj-cs"/>
-              </a:rPr>
-              <a:t> 优化了游戏背景</a:t>
-            </a:r>
-            <a:endParaRPr lang="en-US" altLang="zh-CN" sz="1800" i="0" cap="all" dirty="0">
+              <a:t>        优化了游戏背景</a:t>
+            </a:r>
+            <a:endParaRPr lang="zh-CN" altLang="en-US" sz="2200" i="0" cap="all" dirty="0">
               <a:latin typeface="Microsoft YaHei UI" panose="020B0503020204020204" pitchFamily="34" charset="-122"/>
               <a:ea typeface="Microsoft YaHei UI" panose="020B0503020204020204" pitchFamily="34" charset="-122"/>
               <a:cs typeface="+mj-cs"/>
             </a:endParaRPr>
           </a:p>
           <a:p>
-            <a:pPr marL="530352" lvl="1" indent="0">
-              <a:buNone/>
+            <a:pPr indent="0" fontAlgn="auto">
+              <a:lnSpc>
+                <a:spcPct val="100000"/>
+              </a:lnSpc>
             </a:pPr>
-            <a:endParaRPr lang="zh-CN" altLang="en-US" sz="1800" i="0" cap="all" dirty="0">
+            <a:r>
+              <a:rPr lang="en-US" altLang="zh-CN" sz="2200" cap="all" dirty="0">
+                <a:latin typeface="Microsoft YaHei UI" panose="020B0503020204020204" pitchFamily="34" charset="-122"/>
+                <a:ea typeface="Microsoft YaHei UI" panose="020B0503020204020204" pitchFamily="34" charset="-122"/>
+                <a:cs typeface="+mj-cs"/>
+              </a:rPr>
+              <a:t>1.0.2</a:t>
+            </a:r>
+            <a:r>
+              <a:rPr lang="zh-CN" altLang="en-US" sz="2200" cap="all" dirty="0">
+                <a:latin typeface="Microsoft YaHei UI" panose="020B0503020204020204" pitchFamily="34" charset="-122"/>
+                <a:ea typeface="Microsoft YaHei UI" panose="020B0503020204020204" pitchFamily="34" charset="-122"/>
+                <a:cs typeface="+mj-cs"/>
+              </a:rPr>
+              <a:t>  </a:t>
+            </a:r>
+            <a:r>
+              <a:rPr lang="zh-CN" altLang="en-US" sz="2200" i="0" cap="all" dirty="0">
+                <a:latin typeface="Microsoft YaHei UI" panose="020B0503020204020204" pitchFamily="34" charset="-122"/>
+                <a:ea typeface="Microsoft YaHei UI" panose="020B0503020204020204" pitchFamily="34" charset="-122"/>
+                <a:cs typeface="+mj-cs"/>
+              </a:rPr>
+              <a:t>修复了🐔和🏀显示与对象不同步的问题</a:t>
+            </a:r>
+            <a:endParaRPr lang="zh-CN" altLang="en-US" sz="2200" i="0" cap="all" dirty="0">
               <a:latin typeface="Microsoft YaHei UI" panose="020B0503020204020204" pitchFamily="34" charset="-122"/>
               <a:ea typeface="Microsoft YaHei UI" panose="020B0503020204020204" pitchFamily="34" charset="-122"/>
               <a:cs typeface="+mj-cs"/>
             </a:endParaRPr>
           </a:p>
           <a:p>
-            <a:r>
-              <a:rPr lang="en-US" altLang="zh-CN" sz="1800" cap="all" dirty="0">
-                <a:latin typeface="Microsoft YaHei UI" panose="020B0503020204020204" pitchFamily="34" charset="-122"/>
-                <a:ea typeface="Microsoft YaHei UI" panose="020B0503020204020204" pitchFamily="34" charset="-122"/>
-                <a:cs typeface="+mj-cs"/>
-              </a:rPr>
-              <a:t>1.0.2</a:t>
-            </a:r>
-            <a:r>
-              <a:rPr lang="zh-CN" altLang="en-US" sz="1800" cap="all" dirty="0">
-                <a:latin typeface="Microsoft YaHei UI" panose="020B0503020204020204" pitchFamily="34" charset="-122"/>
-                <a:ea typeface="Microsoft YaHei UI" panose="020B0503020204020204" pitchFamily="34" charset="-122"/>
-                <a:cs typeface="+mj-cs"/>
-              </a:rPr>
-              <a:t> </a:t>
-            </a:r>
-            <a:r>
-              <a:rPr lang="zh-CN" altLang="en-US" sz="1800" i="0" cap="all" dirty="0">
-                <a:latin typeface="Microsoft YaHei UI" panose="020B0503020204020204" pitchFamily="34" charset="-122"/>
-                <a:ea typeface="Microsoft YaHei UI" panose="020B0503020204020204" pitchFamily="34" charset="-122"/>
-                <a:cs typeface="+mj-cs"/>
-              </a:rPr>
-              <a:t>修复了🐔和🏀显示与对象不同步的问题</a:t>
-            </a:r>
-          </a:p>
-          <a:p>
-            <a:pPr marL="530352" lvl="1" indent="0">
+            <a:pPr marL="530225" lvl="1" indent="0" fontAlgn="auto">
+              <a:lnSpc>
+                <a:spcPct val="100000"/>
+              </a:lnSpc>
               <a:buNone/>
             </a:pPr>
             <a:r>
-              <a:rPr lang="en-US" altLang="zh-CN" sz="1800" i="0" cap="all" dirty="0">
+              <a:rPr lang="en-US" altLang="zh-CN" sz="2200" i="0" cap="all" dirty="0">
                 <a:latin typeface="Microsoft YaHei UI" panose="020B0503020204020204" pitchFamily="34" charset="-122"/>
                 <a:ea typeface="Microsoft YaHei UI" panose="020B0503020204020204" pitchFamily="34" charset="-122"/>
                 <a:cs typeface="+mj-cs"/>
               </a:rPr>
-              <a:t>	</a:t>
-            </a:r>
-            <a:r>
-              <a:rPr lang="zh-CN" altLang="en-US" sz="1800" i="0" cap="all" dirty="0">
+              <a:t>	   </a:t>
+            </a:r>
+            <a:r>
+              <a:rPr lang="zh-CN" altLang="en-US" sz="2200" i="0" cap="all" dirty="0">
                 <a:latin typeface="Microsoft YaHei UI" panose="020B0503020204020204" pitchFamily="34" charset="-122"/>
                 <a:ea typeface="Microsoft YaHei UI" panose="020B0503020204020204" pitchFamily="34" charset="-122"/>
                 <a:cs typeface="+mj-cs"/>
               </a:rPr>
-              <a:t> 加入了产生🐔增速的机制</a:t>
-            </a:r>
-          </a:p>
-          <a:p>
-            <a:pPr marL="530352" lvl="1" indent="0">
-              <a:buNone/>
-            </a:pPr>
-            <a:r>
-              <a:rPr lang="en-US" altLang="zh-CN" sz="1800" i="0" cap="all" dirty="0">
-                <a:latin typeface="Microsoft YaHei UI" panose="020B0503020204020204" pitchFamily="34" charset="-122"/>
-                <a:ea typeface="Microsoft YaHei UI" panose="020B0503020204020204" pitchFamily="34" charset="-122"/>
-                <a:cs typeface="+mj-cs"/>
-              </a:rPr>
-              <a:t>	</a:t>
-            </a:r>
-            <a:r>
-              <a:rPr lang="zh-CN" altLang="en-US" sz="1800" i="0" cap="all" dirty="0">
-                <a:latin typeface="Microsoft YaHei UI" panose="020B0503020204020204" pitchFamily="34" charset="-122"/>
-                <a:ea typeface="Microsoft YaHei UI" panose="020B0503020204020204" pitchFamily="34" charset="-122"/>
-                <a:cs typeface="+mj-cs"/>
-              </a:rPr>
-              <a:t> 加入了随机产生🐔和🏀的机制</a:t>
-            </a:r>
-            <a:endParaRPr lang="en-US" altLang="zh-CN" sz="1800" i="0" cap="all" dirty="0">
+              <a:t>    加入了产生🐔增速的机制</a:t>
+            </a:r>
+            <a:endParaRPr lang="zh-CN" altLang="en-US" sz="2200" i="0" cap="all" dirty="0">
               <a:latin typeface="Microsoft YaHei UI" panose="020B0503020204020204" pitchFamily="34" charset="-122"/>
               <a:ea typeface="Microsoft YaHei UI" panose="020B0503020204020204" pitchFamily="34" charset="-122"/>
               <a:cs typeface="+mj-cs"/>
             </a:endParaRPr>
           </a:p>
           <a:p>
-            <a:pPr marL="530352" lvl="1" indent="0">
+            <a:pPr marL="530225" lvl="1" indent="0" fontAlgn="auto">
+              <a:lnSpc>
+                <a:spcPct val="100000"/>
+              </a:lnSpc>
               <a:buNone/>
             </a:pPr>
-            <a:endParaRPr lang="zh-CN" altLang="en-US" sz="1800" i="0" cap="all" dirty="0">
+            <a:r>
+              <a:rPr lang="en-US" altLang="zh-CN" sz="2200" i="0" cap="all" dirty="0">
+                <a:latin typeface="Microsoft YaHei UI" panose="020B0503020204020204" pitchFamily="34" charset="-122"/>
+                <a:ea typeface="Microsoft YaHei UI" panose="020B0503020204020204" pitchFamily="34" charset="-122"/>
+                <a:cs typeface="+mj-cs"/>
+              </a:rPr>
+              <a:t>	</a:t>
+            </a:r>
+            <a:r>
+              <a:rPr lang="zh-CN" altLang="en-US" sz="2200" i="0" cap="all" dirty="0">
+                <a:latin typeface="Microsoft YaHei UI" panose="020B0503020204020204" pitchFamily="34" charset="-122"/>
+                <a:ea typeface="Microsoft YaHei UI" panose="020B0503020204020204" pitchFamily="34" charset="-122"/>
+                <a:cs typeface="+mj-cs"/>
+              </a:rPr>
+              <a:t>       加入了随机产生🐔和🏀的机制</a:t>
+            </a:r>
+            <a:endParaRPr lang="zh-CN" altLang="en-US" sz="2200" i="0" cap="all" dirty="0">
               <a:latin typeface="Microsoft YaHei UI" panose="020B0503020204020204" pitchFamily="34" charset="-122"/>
               <a:ea typeface="Microsoft YaHei UI" panose="020B0503020204020204" pitchFamily="34" charset="-122"/>
               <a:cs typeface="+mj-cs"/>
             </a:endParaRPr>
           </a:p>
           <a:p>
-            <a:r>
-              <a:rPr lang="en-US" altLang="zh-CN" sz="1800" cap="all" dirty="0">
+            <a:pPr indent="0" fontAlgn="auto">
+              <a:lnSpc>
+                <a:spcPct val="100000"/>
+              </a:lnSpc>
+            </a:pPr>
+            <a:r>
+              <a:rPr lang="en-US" altLang="zh-CN" sz="2200" cap="all" dirty="0">
                 <a:latin typeface="Microsoft YaHei UI" panose="020B0503020204020204" pitchFamily="34" charset="-122"/>
                 <a:ea typeface="Microsoft YaHei UI" panose="020B0503020204020204" pitchFamily="34" charset="-122"/>
                 <a:cs typeface="+mj-cs"/>
@@ -6062,15 +6129,15 @@
               <a:t>1.0.3</a:t>
             </a:r>
             <a:r>
-              <a:rPr lang="zh-CN" altLang="en-US" sz="1800" cap="all" dirty="0">
+              <a:rPr lang="zh-CN" altLang="en-US" sz="2200" cap="all" dirty="0">
                 <a:latin typeface="Microsoft YaHei UI" panose="020B0503020204020204" pitchFamily="34" charset="-122"/>
                 <a:ea typeface="Microsoft YaHei UI" panose="020B0503020204020204" pitchFamily="34" charset="-122"/>
                 <a:cs typeface="+mj-cs"/>
               </a:rPr>
-              <a:t> </a:t>
-            </a:r>
-            <a:r>
-              <a:rPr lang="zh-CN" altLang="en-US" sz="1800" i="0" cap="all" dirty="0">
+              <a:t>  </a:t>
+            </a:r>
+            <a:r>
+              <a:rPr lang="zh-CN" altLang="en-US" sz="2200" i="0" cap="all" dirty="0">
                 <a:latin typeface="Microsoft YaHei UI" panose="020B0503020204020204" pitchFamily="34" charset="-122"/>
                 <a:ea typeface="Microsoft YaHei UI" panose="020B0503020204020204" pitchFamily="34" charset="-122"/>
                 <a:cs typeface="+mj-cs"/>
@@ -6078,7 +6145,7 @@
               <a:t>加入了游戏结束时</a:t>
             </a:r>
             <a:r>
-              <a:rPr lang="en-US" altLang="zh-CN" sz="1800" i="0" cap="all" dirty="0" err="1">
+              <a:rPr lang="en-US" altLang="zh-CN" sz="2200" i="0" cap="all" dirty="0" err="1">
                 <a:latin typeface="Microsoft YaHei UI" panose="020B0503020204020204" pitchFamily="34" charset="-122"/>
                 <a:ea typeface="Microsoft YaHei UI" panose="020B0503020204020204" pitchFamily="34" charset="-122"/>
                 <a:cs typeface="+mj-cs"/>
@@ -6086,69 +6153,72 @@
               <a:t>kunkun</a:t>
             </a:r>
             <a:r>
-              <a:rPr lang="zh-CN" altLang="en-US" sz="1800" i="0" cap="all" dirty="0">
+              <a:rPr lang="zh-CN" altLang="en-US" sz="2200" i="0" cap="all" dirty="0">
                 <a:latin typeface="Microsoft YaHei UI" panose="020B0503020204020204" pitchFamily="34" charset="-122"/>
                 <a:ea typeface="Microsoft YaHei UI" panose="020B0503020204020204" pitchFamily="34" charset="-122"/>
                 <a:cs typeface="+mj-cs"/>
               </a:rPr>
               <a:t>的语音</a:t>
             </a:r>
-          </a:p>
-          <a:p>
-            <a:pPr marL="530352" lvl="1" indent="0">
-              <a:buNone/>
-            </a:pPr>
-            <a:r>
-              <a:rPr lang="en-US" altLang="zh-CN" sz="1800" i="0" cap="all" dirty="0">
-                <a:latin typeface="Microsoft YaHei UI" panose="020B0503020204020204" pitchFamily="34" charset="-122"/>
-                <a:ea typeface="Microsoft YaHei UI" panose="020B0503020204020204" pitchFamily="34" charset="-122"/>
-                <a:cs typeface="+mj-cs"/>
-              </a:rPr>
-              <a:t>	</a:t>
-            </a:r>
-            <a:r>
-              <a:rPr lang="zh-CN" altLang="en-US" sz="1800" i="0" cap="all" dirty="0">
-                <a:latin typeface="Microsoft YaHei UI" panose="020B0503020204020204" pitchFamily="34" charset="-122"/>
-                <a:ea typeface="Microsoft YaHei UI" panose="020B0503020204020204" pitchFamily="34" charset="-122"/>
-                <a:cs typeface="+mj-cs"/>
-              </a:rPr>
-              <a:t> 加入了游戏结束时</a:t>
-            </a:r>
-            <a:r>
-              <a:rPr lang="en-US" altLang="zh-CN" sz="1800" i="0" cap="all" dirty="0" err="1">
-                <a:latin typeface="Microsoft YaHei UI" panose="020B0503020204020204" pitchFamily="34" charset="-122"/>
-                <a:ea typeface="Microsoft YaHei UI" panose="020B0503020204020204" pitchFamily="34" charset="-122"/>
-                <a:cs typeface="+mj-cs"/>
-              </a:rPr>
-              <a:t>kunkun</a:t>
-            </a:r>
-            <a:r>
-              <a:rPr lang="zh-CN" altLang="en-US" sz="1800" i="0" cap="all" dirty="0">
-                <a:latin typeface="Microsoft YaHei UI" panose="020B0503020204020204" pitchFamily="34" charset="-122"/>
-                <a:ea typeface="Microsoft YaHei UI" panose="020B0503020204020204" pitchFamily="34" charset="-122"/>
-                <a:cs typeface="+mj-cs"/>
-              </a:rPr>
-              <a:t>大哭的表情</a:t>
-            </a:r>
-            <a:endParaRPr lang="en-US" altLang="zh-CN" sz="1800" i="0" cap="all" dirty="0">
+            <a:endParaRPr lang="zh-CN" altLang="en-US" sz="2200" i="0" cap="all" dirty="0">
               <a:latin typeface="Microsoft YaHei UI" panose="020B0503020204020204" pitchFamily="34" charset="-122"/>
               <a:ea typeface="Microsoft YaHei UI" panose="020B0503020204020204" pitchFamily="34" charset="-122"/>
               <a:cs typeface="+mj-cs"/>
             </a:endParaRPr>
           </a:p>
           <a:p>
-            <a:pPr marL="530352" lvl="1" indent="0">
+            <a:pPr marL="530225" lvl="1" indent="0" fontAlgn="auto">
+              <a:lnSpc>
+                <a:spcPct val="100000"/>
+              </a:lnSpc>
               <a:buNone/>
             </a:pPr>
-            <a:endParaRPr lang="zh-CN" altLang="en-US" sz="1800" i="0" cap="all" dirty="0">
+            <a:r>
+              <a:rPr lang="en-US" altLang="zh-CN" sz="2200" i="0" cap="all" dirty="0">
+                <a:latin typeface="Microsoft YaHei UI" panose="020B0503020204020204" pitchFamily="34" charset="-122"/>
+                <a:ea typeface="Microsoft YaHei UI" panose="020B0503020204020204" pitchFamily="34" charset="-122"/>
+                <a:cs typeface="+mj-cs"/>
+              </a:rPr>
+              <a:t>	   </a:t>
+            </a:r>
+            <a:r>
+              <a:rPr lang="zh-CN" altLang="en-US" sz="2200" i="0" cap="all" dirty="0">
+                <a:latin typeface="Microsoft YaHei UI" panose="020B0503020204020204" pitchFamily="34" charset="-122"/>
+                <a:ea typeface="Microsoft YaHei UI" panose="020B0503020204020204" pitchFamily="34" charset="-122"/>
+                <a:cs typeface="+mj-cs"/>
+              </a:rPr>
+              <a:t>    加入了游戏结束时</a:t>
+            </a:r>
+            <a:r>
+              <a:rPr lang="en-US" altLang="zh-CN" sz="2200" i="0" cap="all" dirty="0" err="1">
+                <a:latin typeface="Microsoft YaHei UI" panose="020B0503020204020204" pitchFamily="34" charset="-122"/>
+                <a:ea typeface="Microsoft YaHei UI" panose="020B0503020204020204" pitchFamily="34" charset="-122"/>
+                <a:cs typeface="+mj-cs"/>
+              </a:rPr>
+              <a:t>kunkun</a:t>
+            </a:r>
+            <a:r>
+              <a:rPr lang="zh-CN" altLang="en-US" sz="2200" i="0" cap="all" dirty="0">
+                <a:latin typeface="Microsoft YaHei UI" panose="020B0503020204020204" pitchFamily="34" charset="-122"/>
+                <a:ea typeface="Microsoft YaHei UI" panose="020B0503020204020204" pitchFamily="34" charset="-122"/>
+                <a:cs typeface="+mj-cs"/>
+              </a:rPr>
+              <a:t>大哭的表情</a:t>
+            </a:r>
+            <a:endParaRPr lang="zh-CN" altLang="en-US" sz="2200" i="0" cap="all" dirty="0">
               <a:latin typeface="Microsoft YaHei UI" panose="020B0503020204020204" pitchFamily="34" charset="-122"/>
               <a:ea typeface="Microsoft YaHei UI" panose="020B0503020204020204" pitchFamily="34" charset="-122"/>
               <a:cs typeface="+mj-cs"/>
             </a:endParaRPr>
           </a:p>
           <a:p>
-            <a:r>
-              <a:rPr lang="en-US" altLang="zh-CN" sz="1800" cap="all" dirty="0">
+            <a:pPr indent="0" fontAlgn="auto">
+              <a:lnSpc>
+                <a:spcPct val="100000"/>
+              </a:lnSpc>
+            </a:pPr>
+            <a:r>
+              <a:rPr lang="en-US" altLang="zh-CN" sz="2200" cap="all" dirty="0">
                 <a:latin typeface="Microsoft YaHei UI" panose="020B0503020204020204" pitchFamily="34" charset="-122"/>
                 <a:ea typeface="Microsoft YaHei UI" panose="020B0503020204020204" pitchFamily="34" charset="-122"/>
                 <a:cs typeface="+mj-cs"/>
@@ -6156,7 +6226,7 @@
               <a:t>1.1.0</a:t>
             </a:r>
             <a:r>
-              <a:rPr lang="zh-CN" altLang="en-US" sz="1800" cap="all" dirty="0">
+              <a:rPr lang="zh-CN" altLang="en-US" sz="2200" cap="all" dirty="0">
                 <a:latin typeface="Microsoft YaHei UI" panose="020B0503020204020204" pitchFamily="34" charset="-122"/>
                 <a:ea typeface="Microsoft YaHei UI" panose="020B0503020204020204" pitchFamily="34" charset="-122"/>
                 <a:cs typeface="+mj-cs"/>
@@ -6164,43 +6234,42 @@
               <a:t>  </a:t>
             </a:r>
             <a:r>
-              <a:rPr lang="zh-CN" altLang="en-US" sz="1800" i="0" cap="all" dirty="0">
+              <a:rPr lang="zh-CN" altLang="en-US" sz="2200" i="0" cap="all" dirty="0">
                 <a:latin typeface="Microsoft YaHei UI" panose="020B0503020204020204" pitchFamily="34" charset="-122"/>
                 <a:ea typeface="Microsoft YaHei UI" panose="020B0503020204020204" pitchFamily="34" charset="-122"/>
                 <a:cs typeface="+mj-cs"/>
               </a:rPr>
               <a:t>加入好友分数排行榜功能</a:t>
             </a:r>
-          </a:p>
-          <a:p>
-            <a:endParaRPr kumimoji="1" lang="zh-CN" altLang="en-US" sz="1800" dirty="0"/>
+            <a:endParaRPr lang="zh-CN" altLang="en-US" sz="2200" i="0" cap="all" dirty="0">
+              <a:latin typeface="Microsoft YaHei UI" panose="020B0503020204020204" pitchFamily="34" charset="-122"/>
+              <a:ea typeface="Microsoft YaHei UI" panose="020B0503020204020204" pitchFamily="34" charset="-122"/>
+              <a:cs typeface="+mj-cs"/>
+            </a:endParaRPr>
+          </a:p>
+          <a:p>
+            <a:endParaRPr kumimoji="1" lang="zh-CN" altLang="en-US" sz="2200" dirty="0"/>
           </a:p>
         </p:txBody>
       </p:sp>
       <p:pic>
         <p:nvPicPr>
-          <p:cNvPr id="5" name="图片 4">
-            <a:extLst>
-              <a:ext uri="{FF2B5EF4-FFF2-40B4-BE49-F238E27FC236}">
-                <a16:creationId xmlns:a16="http://schemas.microsoft.com/office/drawing/2014/main" id="{CBA44E1A-B244-CF46-9934-2FFA0E15AD31}"/>
-              </a:ext>
-            </a:extLst>
-          </p:cNvPr>
+          <p:cNvPr id="5" name="图片 4"/>
           <p:cNvPicPr>
             <a:picLocks noChangeAspect="1"/>
           </p:cNvPicPr>
           <p:nvPr/>
         </p:nvPicPr>
         <p:blipFill>
-          <a:blip r:embed="rId3"/>
+          <a:blip r:embed="rId1"/>
           <a:stretch>
             <a:fillRect/>
           </a:stretch>
         </p:blipFill>
         <p:spPr>
           <a:xfrm>
-            <a:off x="8191448" y="1428750"/>
-            <a:ext cx="2628952" cy="5102115"/>
+            <a:off x="8911590" y="1706245"/>
+            <a:ext cx="2423160" cy="4704715"/>
           </a:xfrm>
           <a:prstGeom prst="rect">
             <a:avLst/>
@@ -6208,11 +6277,6 @@
         </p:spPr>
       </p:pic>
     </p:spTree>
-    <p:extLst>
-      <p:ext uri="{BB962C8B-B14F-4D97-AF65-F5344CB8AC3E}">
-        <p14:creationId xmlns:p14="http://schemas.microsoft.com/office/powerpoint/2010/main" val="2643342446"/>
-      </p:ext>
-    </p:extLst>
   </p:cSld>
   <p:clrMapOvr>
     <a:masterClrMapping/>
@@ -6239,13 +6303,7 @@
       </p:grpSpPr>
       <p:sp>
         <p:nvSpPr>
-          <p:cNvPr id="2" name="标题 1">
-            <a:extLst>
-              <a:ext uri="{FF2B5EF4-FFF2-40B4-BE49-F238E27FC236}">
-                <a16:creationId xmlns:a16="http://schemas.microsoft.com/office/drawing/2014/main" id="{794CED9F-B929-9C49-8B0E-B72E42FA5D40}"/>
-              </a:ext>
-            </a:extLst>
-          </p:cNvPr>
+          <p:cNvPr id="2" name="标题 1"/>
           <p:cNvSpPr>
             <a:spLocks noGrp="1"/>
           </p:cNvSpPr>
@@ -6259,24 +6317,22 @@
           <a:lstStyle/>
           <a:p>
             <a:r>
-              <a:rPr lang="zh-CN" altLang="en-US" sz="4800" cap="all" dirty="0">
+              <a:rPr lang="zh-CN" altLang="en-US" sz="4800" b="1" cap="all" dirty="0">
                 <a:latin typeface="Microsoft YaHei UI" panose="020B0503020204020204" pitchFamily="34" charset="-122"/>
                 <a:ea typeface="Microsoft YaHei UI" panose="020B0503020204020204" pitchFamily="34" charset="-122"/>
               </a:rPr>
               <a:t>代码设计说明</a:t>
             </a:r>
-          </a:p>
-        </p:txBody>
-      </p:sp>
-      <p:sp>
-        <p:nvSpPr>
-          <p:cNvPr id="3" name="内容占位符 2">
-            <a:extLst>
-              <a:ext uri="{FF2B5EF4-FFF2-40B4-BE49-F238E27FC236}">
-                <a16:creationId xmlns:a16="http://schemas.microsoft.com/office/drawing/2014/main" id="{B0D6E6F6-9F43-1B43-9213-320EC895D209}"/>
-              </a:ext>
-            </a:extLst>
-          </p:cNvPr>
+            <a:endParaRPr lang="zh-CN" altLang="en-US" sz="4800" b="1" cap="all" dirty="0">
+              <a:latin typeface="Microsoft YaHei UI" panose="020B0503020204020204" pitchFamily="34" charset="-122"/>
+              <a:ea typeface="Microsoft YaHei UI" panose="020B0503020204020204" pitchFamily="34" charset="-122"/>
+            </a:endParaRPr>
+          </a:p>
+        </p:txBody>
+      </p:sp>
+      <p:sp>
+        <p:nvSpPr>
+          <p:cNvPr id="3" name="内容占位符 2"/>
           <p:cNvSpPr>
             <a:spLocks noGrp="1"/>
           </p:cNvSpPr>
@@ -6284,7 +6340,12 @@
             <p:ph idx="1"/>
           </p:nvPr>
         </p:nvSpPr>
-        <p:spPr/>
+        <p:spPr>
+          <a:xfrm>
+            <a:off x="1371600" y="1849120"/>
+            <a:ext cx="9601200" cy="3581400"/>
+          </a:xfrm>
+        </p:spPr>
         <p:txBody>
           <a:bodyPr>
             <a:normAutofit/>
@@ -6292,7 +6353,7 @@
           <a:lstStyle/>
           <a:p>
             <a:r>
-              <a:rPr lang="zh-CN" altLang="en-US" sz="3600" cap="all" dirty="0">
+              <a:rPr lang="zh-CN" altLang="en-US" sz="2800" cap="all" dirty="0">
                 <a:latin typeface="Microsoft YaHei UI" panose="020B0503020204020204" pitchFamily="34" charset="-122"/>
                 <a:ea typeface="Microsoft YaHei UI" panose="020B0503020204020204" pitchFamily="34" charset="-122"/>
                 <a:cs typeface="+mj-cs"/>
@@ -6300,7 +6361,7 @@
               <a:t>开始游戏界面（</a:t>
             </a:r>
             <a:r>
-              <a:rPr lang="en-US" altLang="zh-CN" sz="3600" dirty="0" err="1">
+              <a:rPr lang="en-US" altLang="zh-CN" sz="2800" dirty="0" err="1">
                 <a:latin typeface="Microsoft YaHei UI" panose="020B0503020204020204" pitchFamily="34" charset="-122"/>
                 <a:ea typeface="Microsoft YaHei UI" panose="020B0503020204020204" pitchFamily="34" charset="-122"/>
                 <a:cs typeface="+mj-cs"/>
@@ -6308,14 +6369,14 @@
               <a:t>startGame.js</a:t>
             </a:r>
             <a:r>
-              <a:rPr lang="zh-CN" altLang="en-US" sz="3600" dirty="0">
+              <a:rPr lang="zh-CN" altLang="en-US" sz="2800" dirty="0">
                 <a:latin typeface="Microsoft YaHei UI" panose="020B0503020204020204" pitchFamily="34" charset="-122"/>
                 <a:ea typeface="Microsoft YaHei UI" panose="020B0503020204020204" pitchFamily="34" charset="-122"/>
                 <a:cs typeface="+mj-cs"/>
               </a:rPr>
               <a:t>）</a:t>
             </a:r>
-            <a:endParaRPr lang="zh-CN" altLang="en-US" sz="3600" cap="all" dirty="0">
+            <a:endParaRPr lang="zh-CN" altLang="en-US" sz="2800" cap="all" dirty="0">
               <a:latin typeface="Microsoft YaHei UI" panose="020B0503020204020204" pitchFamily="34" charset="-122"/>
               <a:ea typeface="Microsoft YaHei UI" panose="020B0503020204020204" pitchFamily="34" charset="-122"/>
               <a:cs typeface="+mj-cs"/>
@@ -6325,28 +6386,22 @@
       </p:sp>
       <p:pic>
         <p:nvPicPr>
-          <p:cNvPr id="5" name="图片 4">
-            <a:extLst>
-              <a:ext uri="{FF2B5EF4-FFF2-40B4-BE49-F238E27FC236}">
-                <a16:creationId xmlns:a16="http://schemas.microsoft.com/office/drawing/2014/main" id="{9810A9C5-EBD5-C64C-B156-8A2180ABD404}"/>
-              </a:ext>
-            </a:extLst>
-          </p:cNvPr>
+          <p:cNvPr id="5" name="图片 4"/>
           <p:cNvPicPr>
             <a:picLocks noChangeAspect="1"/>
           </p:cNvPicPr>
           <p:nvPr/>
         </p:nvPicPr>
         <p:blipFill>
-          <a:blip r:embed="rId3"/>
+          <a:blip r:embed="rId1"/>
           <a:stretch>
             <a:fillRect/>
           </a:stretch>
         </p:blipFill>
         <p:spPr>
           <a:xfrm>
-            <a:off x="8324193" y="1454369"/>
-            <a:ext cx="2648607" cy="4717831"/>
+            <a:off x="8480425" y="1922145"/>
+            <a:ext cx="2492375" cy="4440555"/>
           </a:xfrm>
           <a:prstGeom prst="rect">
             <a:avLst/>
@@ -6355,40 +6410,68 @@
       </p:pic>
       <p:pic>
         <p:nvPicPr>
-          <p:cNvPr id="7" name="图片 6">
-            <a:extLst>
-              <a:ext uri="{FF2B5EF4-FFF2-40B4-BE49-F238E27FC236}">
-                <a16:creationId xmlns:a16="http://schemas.microsoft.com/office/drawing/2014/main" id="{7CC6C7DA-7721-7842-B636-591F9EBF07D9}"/>
-              </a:ext>
-            </a:extLst>
-          </p:cNvPr>
+          <p:cNvPr id="7" name="图片 6"/>
           <p:cNvPicPr>
             <a:picLocks noChangeAspect="1"/>
           </p:cNvPicPr>
           <p:nvPr/>
         </p:nvPicPr>
         <p:blipFill>
-          <a:blip r:embed="rId4"/>
+          <a:blip r:embed="rId2"/>
           <a:stretch>
             <a:fillRect/>
           </a:stretch>
         </p:blipFill>
         <p:spPr>
           <a:xfrm>
-            <a:off x="1371600" y="2961071"/>
-            <a:ext cx="6514224" cy="3211129"/>
+            <a:off x="1461135" y="2660650"/>
+            <a:ext cx="5656580" cy="2788920"/>
           </a:xfrm>
           <a:prstGeom prst="rect">
             <a:avLst/>
           </a:prstGeom>
         </p:spPr>
       </p:pic>
+      <p:sp>
+        <p:nvSpPr>
+          <p:cNvPr id="4" name="右箭头 3"/>
+          <p:cNvSpPr/>
+          <p:nvPr/>
+        </p:nvSpPr>
+        <p:spPr>
+          <a:xfrm>
+            <a:off x="7298690" y="3836035"/>
+            <a:ext cx="873760" cy="456565"/>
+          </a:xfrm>
+          <a:prstGeom prst="rightArrow">
+            <a:avLst/>
+          </a:prstGeom>
+        </p:spPr>
+        <p:style>
+          <a:lnRef idx="2">
+            <a:schemeClr val="dk1">
+              <a:shade val="50000"/>
+            </a:schemeClr>
+          </a:lnRef>
+          <a:fillRef idx="1">
+            <a:schemeClr val="dk1"/>
+          </a:fillRef>
+          <a:effectRef idx="0">
+            <a:schemeClr val="dk1"/>
+          </a:effectRef>
+          <a:fontRef idx="minor">
+            <a:schemeClr val="lt1"/>
+          </a:fontRef>
+        </p:style>
+        <p:txBody>
+          <a:bodyPr rtlCol="0" anchor="ctr"/>
+          <a:p>
+            <a:pPr algn="ctr"/>
+            <a:endParaRPr lang="zh-CN" altLang="en-US"/>
+          </a:p>
+        </p:txBody>
+      </p:sp>
     </p:spTree>
-    <p:extLst>
-      <p:ext uri="{BB962C8B-B14F-4D97-AF65-F5344CB8AC3E}">
-        <p14:creationId xmlns:p14="http://schemas.microsoft.com/office/powerpoint/2010/main" val="1528574974"/>
-      </p:ext>
-    </p:extLst>
   </p:cSld>
   <p:clrMapOvr>
     <a:masterClrMapping/>
@@ -6415,13 +6498,7 @@
       </p:grpSpPr>
       <p:sp>
         <p:nvSpPr>
-          <p:cNvPr id="2" name="标题 1">
-            <a:extLst>
-              <a:ext uri="{FF2B5EF4-FFF2-40B4-BE49-F238E27FC236}">
-                <a16:creationId xmlns:a16="http://schemas.microsoft.com/office/drawing/2014/main" id="{1E092748-74A6-5B43-803E-1DBEC1147BD2}"/>
-              </a:ext>
-            </a:extLst>
-          </p:cNvPr>
+          <p:cNvPr id="2" name="标题 1"/>
           <p:cNvSpPr>
             <a:spLocks noGrp="1"/>
           </p:cNvSpPr>
@@ -6435,24 +6512,22 @@
           <a:lstStyle/>
           <a:p>
             <a:r>
-              <a:rPr lang="zh-CN" altLang="en-US" sz="4800" cap="all" dirty="0">
+              <a:rPr lang="zh-CN" altLang="en-US" sz="4800" b="1" cap="all" dirty="0">
                 <a:latin typeface="Microsoft YaHei UI" panose="020B0503020204020204" pitchFamily="34" charset="-122"/>
                 <a:ea typeface="Microsoft YaHei UI" panose="020B0503020204020204" pitchFamily="34" charset="-122"/>
               </a:rPr>
               <a:t>代码设计说明</a:t>
             </a:r>
-          </a:p>
-        </p:txBody>
-      </p:sp>
-      <p:sp>
-        <p:nvSpPr>
-          <p:cNvPr id="3" name="内容占位符 2">
-            <a:extLst>
-              <a:ext uri="{FF2B5EF4-FFF2-40B4-BE49-F238E27FC236}">
-                <a16:creationId xmlns:a16="http://schemas.microsoft.com/office/drawing/2014/main" id="{CAE97E09-3F23-7244-A2A0-EA9460A148B2}"/>
-              </a:ext>
-            </a:extLst>
-          </p:cNvPr>
+            <a:endParaRPr lang="zh-CN" altLang="en-US" sz="4800" b="1" cap="all" dirty="0">
+              <a:latin typeface="Microsoft YaHei UI" panose="020B0503020204020204" pitchFamily="34" charset="-122"/>
+              <a:ea typeface="Microsoft YaHei UI" panose="020B0503020204020204" pitchFamily="34" charset="-122"/>
+            </a:endParaRPr>
+          </a:p>
+        </p:txBody>
+      </p:sp>
+      <p:sp>
+        <p:nvSpPr>
+          <p:cNvPr id="3" name="内容占位符 2"/>
           <p:cNvSpPr>
             <a:spLocks noGrp="1"/>
           </p:cNvSpPr>
@@ -6460,13 +6535,18 @@
             <p:ph idx="1"/>
           </p:nvPr>
         </p:nvSpPr>
-        <p:spPr/>
+        <p:spPr>
+          <a:xfrm>
+            <a:off x="1362075" y="1767840"/>
+            <a:ext cx="9601200" cy="3581400"/>
+          </a:xfrm>
+        </p:spPr>
         <p:txBody>
           <a:bodyPr/>
           <a:lstStyle/>
           <a:p>
             <a:r>
-              <a:rPr lang="zh-CN" altLang="en-US" sz="3600" dirty="0">
+              <a:rPr lang="zh-CN" altLang="en-US" sz="2800" dirty="0">
                 <a:latin typeface="Microsoft YaHei UI" panose="020B0503020204020204" pitchFamily="34" charset="-122"/>
                 <a:ea typeface="Microsoft YaHei UI" panose="020B0503020204020204" pitchFamily="34" charset="-122"/>
                 <a:cs typeface="+mj-cs"/>
@@ -6474,7 +6554,7 @@
               <a:t>游戏运行设计（</a:t>
             </a:r>
             <a:r>
-              <a:rPr lang="en-US" altLang="zh-CN" sz="3600" dirty="0" err="1">
+              <a:rPr lang="en-US" altLang="zh-CN" sz="2800" dirty="0" err="1">
                 <a:latin typeface="Microsoft YaHei UI" panose="020B0503020204020204" pitchFamily="34" charset="-122"/>
                 <a:ea typeface="Microsoft YaHei UI" panose="020B0503020204020204" pitchFamily="34" charset="-122"/>
                 <a:cs typeface="+mj-cs"/>
@@ -6482,40 +6562,39 @@
               <a:t>databus.js</a:t>
             </a:r>
             <a:r>
-              <a:rPr lang="zh-CN" altLang="en-US" sz="3600" dirty="0">
+              <a:rPr lang="zh-CN" altLang="en-US" sz="2800" dirty="0">
                 <a:latin typeface="Microsoft YaHei UI" panose="020B0503020204020204" pitchFamily="34" charset="-122"/>
                 <a:ea typeface="Microsoft YaHei UI" panose="020B0503020204020204" pitchFamily="34" charset="-122"/>
                 <a:cs typeface="+mj-cs"/>
               </a:rPr>
               <a:t>）</a:t>
             </a:r>
+            <a:endParaRPr lang="zh-CN" altLang="en-US" sz="2800" dirty="0">
+              <a:latin typeface="Microsoft YaHei UI" panose="020B0503020204020204" pitchFamily="34" charset="-122"/>
+              <a:ea typeface="Microsoft YaHei UI" panose="020B0503020204020204" pitchFamily="34" charset="-122"/>
+              <a:cs typeface="+mj-cs"/>
+            </a:endParaRPr>
           </a:p>
         </p:txBody>
       </p:sp>
       <p:pic>
         <p:nvPicPr>
-          <p:cNvPr id="5" name="图片 4">
-            <a:extLst>
-              <a:ext uri="{FF2B5EF4-FFF2-40B4-BE49-F238E27FC236}">
-                <a16:creationId xmlns:a16="http://schemas.microsoft.com/office/drawing/2014/main" id="{AF96E770-A3F0-A64A-A190-F68700908AFB}"/>
-              </a:ext>
-            </a:extLst>
-          </p:cNvPr>
+          <p:cNvPr id="5" name="图片 4"/>
           <p:cNvPicPr>
             <a:picLocks noChangeAspect="1"/>
           </p:cNvPicPr>
           <p:nvPr/>
         </p:nvPicPr>
         <p:blipFill>
-          <a:blip r:embed="rId3"/>
+          <a:blip r:embed="rId1"/>
           <a:stretch>
             <a:fillRect/>
           </a:stretch>
         </p:blipFill>
         <p:spPr>
           <a:xfrm>
-            <a:off x="8108730" y="1183728"/>
-            <a:ext cx="2711669" cy="4830160"/>
+            <a:off x="8342630" y="1986280"/>
+            <a:ext cx="2393315" cy="4264660"/>
           </a:xfrm>
           <a:prstGeom prst="rect">
             <a:avLst/>
@@ -6524,40 +6603,68 @@
       </p:pic>
       <p:pic>
         <p:nvPicPr>
-          <p:cNvPr id="7" name="图片 6">
-            <a:extLst>
-              <a:ext uri="{FF2B5EF4-FFF2-40B4-BE49-F238E27FC236}">
-                <a16:creationId xmlns:a16="http://schemas.microsoft.com/office/drawing/2014/main" id="{4CBF11B7-490C-A24A-94E9-43032C5DC0C8}"/>
-              </a:ext>
-            </a:extLst>
-          </p:cNvPr>
+          <p:cNvPr id="7" name="图片 6"/>
           <p:cNvPicPr>
             <a:picLocks noChangeAspect="1"/>
           </p:cNvPicPr>
           <p:nvPr/>
         </p:nvPicPr>
         <p:blipFill>
-          <a:blip r:embed="rId4"/>
+          <a:blip r:embed="rId2"/>
           <a:stretch>
             <a:fillRect/>
           </a:stretch>
         </p:blipFill>
         <p:spPr>
           <a:xfrm>
-            <a:off x="1371600" y="3070334"/>
-            <a:ext cx="5898982" cy="2911366"/>
+            <a:off x="1371600" y="2696845"/>
+            <a:ext cx="5541645" cy="2734945"/>
           </a:xfrm>
           <a:prstGeom prst="rect">
             <a:avLst/>
           </a:prstGeom>
         </p:spPr>
       </p:pic>
+      <p:sp>
+        <p:nvSpPr>
+          <p:cNvPr id="4" name="右箭头 3"/>
+          <p:cNvSpPr/>
+          <p:nvPr/>
+        </p:nvSpPr>
+        <p:spPr>
+          <a:xfrm>
+            <a:off x="7174865" y="3836035"/>
+            <a:ext cx="873760" cy="456565"/>
+          </a:xfrm>
+          <a:prstGeom prst="rightArrow">
+            <a:avLst/>
+          </a:prstGeom>
+        </p:spPr>
+        <p:style>
+          <a:lnRef idx="2">
+            <a:schemeClr val="dk1">
+              <a:shade val="50000"/>
+            </a:schemeClr>
+          </a:lnRef>
+          <a:fillRef idx="1">
+            <a:schemeClr val="dk1"/>
+          </a:fillRef>
+          <a:effectRef idx="0">
+            <a:schemeClr val="dk1"/>
+          </a:effectRef>
+          <a:fontRef idx="minor">
+            <a:schemeClr val="lt1"/>
+          </a:fontRef>
+        </p:style>
+        <p:txBody>
+          <a:bodyPr rtlCol="0" anchor="ctr"/>
+          <a:p>
+            <a:pPr algn="ctr"/>
+            <a:endParaRPr lang="zh-CN" altLang="en-US"/>
+          </a:p>
+        </p:txBody>
+      </p:sp>
     </p:spTree>
-    <p:extLst>
-      <p:ext uri="{BB962C8B-B14F-4D97-AF65-F5344CB8AC3E}">
-        <p14:creationId xmlns:p14="http://schemas.microsoft.com/office/powerpoint/2010/main" val="3894720114"/>
-      </p:ext>
-    </p:extLst>
   </p:cSld>
   <p:clrMapOvr>
     <a:masterClrMapping/>
@@ -6584,13 +6691,7 @@
       </p:grpSpPr>
       <p:sp>
         <p:nvSpPr>
-          <p:cNvPr id="2" name="标题 1">
-            <a:extLst>
-              <a:ext uri="{FF2B5EF4-FFF2-40B4-BE49-F238E27FC236}">
-                <a16:creationId xmlns:a16="http://schemas.microsoft.com/office/drawing/2014/main" id="{E3D4D5F1-3879-5C47-A41A-6117FBE123D9}"/>
-              </a:ext>
-            </a:extLst>
-          </p:cNvPr>
+          <p:cNvPr id="2" name="标题 1"/>
           <p:cNvSpPr>
             <a:spLocks noGrp="1"/>
           </p:cNvSpPr>
@@ -6604,24 +6705,22 @@
           <a:lstStyle/>
           <a:p>
             <a:r>
-              <a:rPr lang="zh-CN" altLang="en-US" sz="4800" cap="all" dirty="0">
+              <a:rPr lang="zh-CN" altLang="en-US" sz="4800" b="1" cap="all" dirty="0">
                 <a:latin typeface="Microsoft YaHei UI" panose="020B0503020204020204" pitchFamily="34" charset="-122"/>
                 <a:ea typeface="Microsoft YaHei UI" panose="020B0503020204020204" pitchFamily="34" charset="-122"/>
               </a:rPr>
               <a:t>代码设计说明</a:t>
             </a:r>
-          </a:p>
-        </p:txBody>
-      </p:sp>
-      <p:sp>
-        <p:nvSpPr>
-          <p:cNvPr id="3" name="内容占位符 2">
-            <a:extLst>
-              <a:ext uri="{FF2B5EF4-FFF2-40B4-BE49-F238E27FC236}">
-                <a16:creationId xmlns:a16="http://schemas.microsoft.com/office/drawing/2014/main" id="{5A63CF8D-C5A0-0C40-A44E-ACB5FC2ABB4E}"/>
-              </a:ext>
-            </a:extLst>
-          </p:cNvPr>
+            <a:endParaRPr lang="zh-CN" altLang="en-US" sz="4800" b="1" cap="all" dirty="0">
+              <a:latin typeface="Microsoft YaHei UI" panose="020B0503020204020204" pitchFamily="34" charset="-122"/>
+              <a:ea typeface="Microsoft YaHei UI" panose="020B0503020204020204" pitchFamily="34" charset="-122"/>
+            </a:endParaRPr>
+          </a:p>
+        </p:txBody>
+      </p:sp>
+      <p:sp>
+        <p:nvSpPr>
+          <p:cNvPr id="3" name="内容占位符 2"/>
           <p:cNvSpPr>
             <a:spLocks noGrp="1"/>
           </p:cNvSpPr>
@@ -6629,13 +6728,18 @@
             <p:ph idx="1"/>
           </p:nvPr>
         </p:nvSpPr>
-        <p:spPr/>
+        <p:spPr>
+          <a:xfrm>
+            <a:off x="1371600" y="1779270"/>
+            <a:ext cx="9601200" cy="3581400"/>
+          </a:xfrm>
+        </p:spPr>
         <p:txBody>
           <a:bodyPr/>
           <a:lstStyle/>
           <a:p>
             <a:r>
-              <a:rPr lang="zh-CN" altLang="en-US" sz="3600" dirty="0">
+              <a:rPr lang="zh-CN" altLang="en-US" sz="2800" dirty="0">
                 <a:latin typeface="Microsoft YaHei UI" panose="020B0503020204020204" pitchFamily="34" charset="-122"/>
                 <a:ea typeface="Microsoft YaHei UI" panose="020B0503020204020204" pitchFamily="34" charset="-122"/>
                 <a:cs typeface="+mj-cs"/>
@@ -6643,7 +6747,7 @@
               <a:t>游戏结束界面（</a:t>
             </a:r>
             <a:r>
-              <a:rPr lang="en-US" altLang="zh-CN" sz="3600" dirty="0" err="1">
+              <a:rPr lang="en-US" altLang="zh-CN" sz="2800" dirty="0" err="1">
                 <a:latin typeface="Microsoft YaHei UI" panose="020B0503020204020204" pitchFamily="34" charset="-122"/>
                 <a:ea typeface="Microsoft YaHei UI" panose="020B0503020204020204" pitchFamily="34" charset="-122"/>
                 <a:cs typeface="+mj-cs"/>
@@ -6651,40 +6755,39 @@
               <a:t>gameOver.js</a:t>
             </a:r>
             <a:r>
-              <a:rPr lang="zh-CN" altLang="en-US" sz="3600" dirty="0">
+              <a:rPr lang="zh-CN" altLang="en-US" sz="2800" dirty="0">
                 <a:latin typeface="Microsoft YaHei UI" panose="020B0503020204020204" pitchFamily="34" charset="-122"/>
                 <a:ea typeface="Microsoft YaHei UI" panose="020B0503020204020204" pitchFamily="34" charset="-122"/>
                 <a:cs typeface="+mj-cs"/>
               </a:rPr>
               <a:t>）</a:t>
             </a:r>
+            <a:endParaRPr lang="zh-CN" altLang="en-US" sz="2800" dirty="0">
+              <a:latin typeface="Microsoft YaHei UI" panose="020B0503020204020204" pitchFamily="34" charset="-122"/>
+              <a:ea typeface="Microsoft YaHei UI" panose="020B0503020204020204" pitchFamily="34" charset="-122"/>
+              <a:cs typeface="+mj-cs"/>
+            </a:endParaRPr>
           </a:p>
         </p:txBody>
       </p:sp>
       <p:pic>
         <p:nvPicPr>
-          <p:cNvPr id="5" name="图片 4">
-            <a:extLst>
-              <a:ext uri="{FF2B5EF4-FFF2-40B4-BE49-F238E27FC236}">
-                <a16:creationId xmlns:a16="http://schemas.microsoft.com/office/drawing/2014/main" id="{2FE92A04-DF0E-3A41-8DB0-A21A05844DDF}"/>
-              </a:ext>
-            </a:extLst>
-          </p:cNvPr>
+          <p:cNvPr id="5" name="图片 4"/>
           <p:cNvPicPr>
             <a:picLocks noChangeAspect="1"/>
           </p:cNvPicPr>
           <p:nvPr/>
         </p:nvPicPr>
         <p:blipFill>
-          <a:blip r:embed="rId3"/>
+          <a:blip r:embed="rId1"/>
           <a:stretch>
             <a:fillRect/>
           </a:stretch>
         </p:blipFill>
         <p:spPr>
           <a:xfrm>
-            <a:off x="8688946" y="1369989"/>
-            <a:ext cx="2695978" cy="4802211"/>
+            <a:off x="8315960" y="2047240"/>
+            <a:ext cx="2367280" cy="4217035"/>
           </a:xfrm>
           <a:prstGeom prst="rect">
             <a:avLst/>
@@ -6693,40 +6796,68 @@
       </p:pic>
       <p:pic>
         <p:nvPicPr>
-          <p:cNvPr id="7" name="图片 6">
-            <a:extLst>
-              <a:ext uri="{FF2B5EF4-FFF2-40B4-BE49-F238E27FC236}">
-                <a16:creationId xmlns:a16="http://schemas.microsoft.com/office/drawing/2014/main" id="{743AFCB8-313B-0543-98FB-177431B693D4}"/>
-              </a:ext>
-            </a:extLst>
-          </p:cNvPr>
+          <p:cNvPr id="7" name="图片 6"/>
           <p:cNvPicPr>
             <a:picLocks noChangeAspect="1"/>
           </p:cNvPicPr>
           <p:nvPr/>
         </p:nvPicPr>
         <p:blipFill>
-          <a:blip r:embed="rId4"/>
+          <a:blip r:embed="rId2"/>
           <a:stretch>
             <a:fillRect/>
           </a:stretch>
         </p:blipFill>
         <p:spPr>
           <a:xfrm>
-            <a:off x="1371599" y="3028145"/>
-            <a:ext cx="6347997" cy="3144055"/>
+            <a:off x="1371600" y="2746375"/>
+            <a:ext cx="5594350" cy="2770505"/>
           </a:xfrm>
           <a:prstGeom prst="rect">
             <a:avLst/>
           </a:prstGeom>
         </p:spPr>
       </p:pic>
+      <p:sp>
+        <p:nvSpPr>
+          <p:cNvPr id="4" name="右箭头 3"/>
+          <p:cNvSpPr/>
+          <p:nvPr/>
+        </p:nvSpPr>
+        <p:spPr>
+          <a:xfrm>
+            <a:off x="7174865" y="3836035"/>
+            <a:ext cx="873760" cy="456565"/>
+          </a:xfrm>
+          <a:prstGeom prst="rightArrow">
+            <a:avLst/>
+          </a:prstGeom>
+        </p:spPr>
+        <p:style>
+          <a:lnRef idx="2">
+            <a:schemeClr val="dk1">
+              <a:shade val="50000"/>
+            </a:schemeClr>
+          </a:lnRef>
+          <a:fillRef idx="1">
+            <a:schemeClr val="dk1"/>
+          </a:fillRef>
+          <a:effectRef idx="0">
+            <a:schemeClr val="dk1"/>
+          </a:effectRef>
+          <a:fontRef idx="minor">
+            <a:schemeClr val="lt1"/>
+          </a:fontRef>
+        </p:style>
+        <p:txBody>
+          <a:bodyPr rtlCol="0" anchor="ctr"/>
+          <a:p>
+            <a:pPr algn="ctr"/>
+            <a:endParaRPr lang="zh-CN" altLang="en-US"/>
+          </a:p>
+        </p:txBody>
+      </p:sp>
     </p:spTree>
-    <p:extLst>
-      <p:ext uri="{BB962C8B-B14F-4D97-AF65-F5344CB8AC3E}">
-        <p14:creationId xmlns:p14="http://schemas.microsoft.com/office/powerpoint/2010/main" val="962095919"/>
-      </p:ext>
-    </p:extLst>
   </p:cSld>
   <p:clrMapOvr>
     <a:masterClrMapping/>
@@ -6753,13 +6884,7 @@
       </p:grpSpPr>
       <p:sp>
         <p:nvSpPr>
-          <p:cNvPr id="2" name="标题 1">
-            <a:extLst>
-              <a:ext uri="{FF2B5EF4-FFF2-40B4-BE49-F238E27FC236}">
-                <a16:creationId xmlns:a16="http://schemas.microsoft.com/office/drawing/2014/main" id="{F42AD6C6-FB11-BB4D-B1C5-7CEE2F410641}"/>
-              </a:ext>
-            </a:extLst>
-          </p:cNvPr>
+          <p:cNvPr id="2" name="标题 1"/>
           <p:cNvSpPr>
             <a:spLocks noGrp="1"/>
           </p:cNvSpPr>
@@ -6767,30 +6892,33 @@
             <p:ph type="title"/>
           </p:nvPr>
         </p:nvSpPr>
-        <p:spPr/>
+        <p:spPr>
+          <a:xfrm>
+            <a:off x="1371600" y="685800"/>
+            <a:ext cx="9601200" cy="1485900"/>
+          </a:xfrm>
+        </p:spPr>
         <p:txBody>
           <a:bodyPr/>
           <a:lstStyle/>
           <a:p>
             <a:r>
-              <a:rPr lang="zh-CN" altLang="en-US" sz="4800" cap="all" dirty="0">
+              <a:rPr lang="zh-CN" altLang="en-US" sz="4800" b="1" cap="all" dirty="0">
                 <a:latin typeface="Microsoft YaHei UI" panose="020B0503020204020204" pitchFamily="34" charset="-122"/>
                 <a:ea typeface="Microsoft YaHei UI" panose="020B0503020204020204" pitchFamily="34" charset="-122"/>
               </a:rPr>
               <a:t>代码设计说明</a:t>
             </a:r>
-          </a:p>
-        </p:txBody>
-      </p:sp>
-      <p:sp>
-        <p:nvSpPr>
-          <p:cNvPr id="3" name="内容占位符 2">
-            <a:extLst>
-              <a:ext uri="{FF2B5EF4-FFF2-40B4-BE49-F238E27FC236}">
-                <a16:creationId xmlns:a16="http://schemas.microsoft.com/office/drawing/2014/main" id="{B83ED44C-D2D5-3145-A0F8-C35C8D4B675C}"/>
-              </a:ext>
-            </a:extLst>
-          </p:cNvPr>
+            <a:endParaRPr lang="zh-CN" altLang="en-US" sz="4800" b="1" cap="all" dirty="0">
+              <a:latin typeface="Microsoft YaHei UI" panose="020B0503020204020204" pitchFamily="34" charset="-122"/>
+              <a:ea typeface="Microsoft YaHei UI" panose="020B0503020204020204" pitchFamily="34" charset="-122"/>
+            </a:endParaRPr>
+          </a:p>
+        </p:txBody>
+      </p:sp>
+      <p:sp>
+        <p:nvSpPr>
+          <p:cNvPr id="3" name="内容占位符 2"/>
           <p:cNvSpPr>
             <a:spLocks noGrp="1"/>
           </p:cNvSpPr>
@@ -6800,7 +6928,7 @@
         </p:nvSpPr>
         <p:spPr>
           <a:xfrm>
-            <a:off x="1371600" y="1515370"/>
+            <a:off x="1343025" y="1694440"/>
             <a:ext cx="9601200" cy="707533"/>
           </a:xfrm>
         </p:spPr>
@@ -6850,18 +6978,41 @@
               </a:rPr>
               <a:t>）</a:t>
             </a:r>
+            <a:endParaRPr lang="zh-CN" altLang="en-US" sz="2800" dirty="0">
+              <a:latin typeface="Microsoft YaHei UI" panose="020B0503020204020204" pitchFamily="34" charset="-122"/>
+              <a:ea typeface="Microsoft YaHei UI" panose="020B0503020204020204" pitchFamily="34" charset="-122"/>
+              <a:cs typeface="+mj-cs"/>
+            </a:endParaRPr>
           </a:p>
         </p:txBody>
       </p:sp>
       <p:pic>
         <p:nvPicPr>
-          <p:cNvPr id="5" name="图片 4">
-            <a:extLst>
-              <a:ext uri="{FF2B5EF4-FFF2-40B4-BE49-F238E27FC236}">
-                <a16:creationId xmlns:a16="http://schemas.microsoft.com/office/drawing/2014/main" id="{B00B9368-8247-DB46-9117-23E1EB076D1D}"/>
-              </a:ext>
-            </a:extLst>
-          </p:cNvPr>
+          <p:cNvPr id="5" name="图片 4"/>
+          <p:cNvPicPr>
+            <a:picLocks noChangeAspect="1"/>
+          </p:cNvPicPr>
+          <p:nvPr/>
+        </p:nvPicPr>
+        <p:blipFill>
+          <a:blip r:embed="rId1"/>
+          <a:stretch>
+            <a:fillRect/>
+          </a:stretch>
+        </p:blipFill>
+        <p:spPr>
+          <a:xfrm>
+            <a:off x="1371600" y="2676525"/>
+            <a:ext cx="6685915" cy="3315335"/>
+          </a:xfrm>
+          <a:prstGeom prst="rect">
+            <a:avLst/>
+          </a:prstGeom>
+        </p:spPr>
+      </p:pic>
+      <p:pic>
+        <p:nvPicPr>
+          <p:cNvPr id="7" name="图片 6"/>
           <p:cNvPicPr>
             <a:picLocks noChangeAspect="1"/>
           </p:cNvPicPr>
@@ -6875,50 +7026,54 @@
         </p:blipFill>
         <p:spPr>
           <a:xfrm>
-            <a:off x="1371599" y="2152784"/>
-            <a:ext cx="7449725" cy="3694223"/>
+            <a:off x="9059545" y="2353945"/>
+            <a:ext cx="2299335" cy="4095750"/>
           </a:xfrm>
           <a:prstGeom prst="rect">
             <a:avLst/>
           </a:prstGeom>
         </p:spPr>
       </p:pic>
-      <p:pic>
-        <p:nvPicPr>
-          <p:cNvPr id="7" name="图片 6">
-            <a:extLst>
-              <a:ext uri="{FF2B5EF4-FFF2-40B4-BE49-F238E27FC236}">
-                <a16:creationId xmlns:a16="http://schemas.microsoft.com/office/drawing/2014/main" id="{EFBA290F-7DD3-5D41-9E1E-BAAA19FE28F8}"/>
-              </a:ext>
-            </a:extLst>
-          </p:cNvPr>
-          <p:cNvPicPr>
-            <a:picLocks noChangeAspect="1"/>
-          </p:cNvPicPr>
+      <p:sp>
+        <p:nvSpPr>
+          <p:cNvPr id="4" name="右箭头 3"/>
+          <p:cNvSpPr/>
           <p:nvPr/>
-        </p:nvPicPr>
-        <p:blipFill>
-          <a:blip r:embed="rId3"/>
-          <a:stretch>
-            <a:fillRect/>
-          </a:stretch>
-        </p:blipFill>
-        <p:spPr>
-          <a:xfrm>
-            <a:off x="9049555" y="2152785"/>
-            <a:ext cx="2438400" cy="4343400"/>
-          </a:xfrm>
-          <a:prstGeom prst="rect">
+        </p:nvSpPr>
+        <p:spPr>
+          <a:xfrm>
+            <a:off x="8125460" y="4086860"/>
+            <a:ext cx="873760" cy="456565"/>
+          </a:xfrm>
+          <a:prstGeom prst="rightArrow">
             <a:avLst/>
           </a:prstGeom>
         </p:spPr>
-      </p:pic>
+        <p:style>
+          <a:lnRef idx="2">
+            <a:schemeClr val="dk1">
+              <a:shade val="50000"/>
+            </a:schemeClr>
+          </a:lnRef>
+          <a:fillRef idx="1">
+            <a:schemeClr val="dk1"/>
+          </a:fillRef>
+          <a:effectRef idx="0">
+            <a:schemeClr val="dk1"/>
+          </a:effectRef>
+          <a:fontRef idx="minor">
+            <a:schemeClr val="lt1"/>
+          </a:fontRef>
+        </p:style>
+        <p:txBody>
+          <a:bodyPr rtlCol="0" anchor="ctr"/>
+          <a:p>
+            <a:pPr algn="ctr"/>
+            <a:endParaRPr lang="zh-CN" altLang="en-US"/>
+          </a:p>
+        </p:txBody>
+      </p:sp>
     </p:spTree>
-    <p:extLst>
-      <p:ext uri="{BB962C8B-B14F-4D97-AF65-F5344CB8AC3E}">
-        <p14:creationId xmlns:p14="http://schemas.microsoft.com/office/powerpoint/2010/main" val="1496184245"/>
-      </p:ext>
-    </p:extLst>
   </p:cSld>
   <p:clrMapOvr>
     <a:masterClrMapping/>
@@ -6945,13 +7100,7 @@
       </p:grpSpPr>
       <p:sp>
         <p:nvSpPr>
-          <p:cNvPr id="2" name="标题 1">
-            <a:extLst>
-              <a:ext uri="{FF2B5EF4-FFF2-40B4-BE49-F238E27FC236}">
-                <a16:creationId xmlns:a16="http://schemas.microsoft.com/office/drawing/2014/main" id="{F42AD6C6-FB11-BB4D-B1C5-7CEE2F410641}"/>
-              </a:ext>
-            </a:extLst>
-          </p:cNvPr>
+          <p:cNvPr id="2" name="标题 1"/>
           <p:cNvSpPr>
             <a:spLocks noGrp="1"/>
           </p:cNvSpPr>
@@ -6965,24 +7114,22 @@
           <a:lstStyle/>
           <a:p>
             <a:r>
-              <a:rPr lang="zh-CN" altLang="en-US" sz="4800" cap="all" dirty="0">
+              <a:rPr lang="zh-CN" altLang="en-US" sz="4800" b="1" cap="all" dirty="0">
                 <a:latin typeface="Microsoft YaHei UI" panose="020B0503020204020204" pitchFamily="34" charset="-122"/>
                 <a:ea typeface="Microsoft YaHei UI" panose="020B0503020204020204" pitchFamily="34" charset="-122"/>
               </a:rPr>
               <a:t>代码设计说明</a:t>
             </a:r>
-          </a:p>
-        </p:txBody>
-      </p:sp>
-      <p:sp>
-        <p:nvSpPr>
-          <p:cNvPr id="3" name="内容占位符 2">
-            <a:extLst>
-              <a:ext uri="{FF2B5EF4-FFF2-40B4-BE49-F238E27FC236}">
-                <a16:creationId xmlns:a16="http://schemas.microsoft.com/office/drawing/2014/main" id="{B83ED44C-D2D5-3145-A0F8-C35C8D4B675C}"/>
-              </a:ext>
-            </a:extLst>
-          </p:cNvPr>
+            <a:endParaRPr lang="zh-CN" altLang="en-US" sz="4800" b="1" cap="all" dirty="0">
+              <a:latin typeface="Microsoft YaHei UI" panose="020B0503020204020204" pitchFamily="34" charset="-122"/>
+              <a:ea typeface="Microsoft YaHei UI" panose="020B0503020204020204" pitchFamily="34" charset="-122"/>
+            </a:endParaRPr>
+          </a:p>
+        </p:txBody>
+      </p:sp>
+      <p:sp>
+        <p:nvSpPr>
+          <p:cNvPr id="3" name="内容占位符 2"/>
           <p:cNvSpPr>
             <a:spLocks noGrp="1"/>
           </p:cNvSpPr>
@@ -6992,7 +7139,7 @@
         </p:nvSpPr>
         <p:spPr>
           <a:xfrm>
-            <a:off x="1371600" y="1515370"/>
+            <a:off x="1371600" y="1715395"/>
             <a:ext cx="9601200" cy="707533"/>
           </a:xfrm>
         </p:spPr>
@@ -7042,18 +7189,65 @@
               </a:rPr>
               <a:t>）</a:t>
             </a:r>
+            <a:endParaRPr lang="zh-CN" altLang="en-US" sz="2800" dirty="0">
+              <a:latin typeface="Microsoft YaHei UI" panose="020B0503020204020204" pitchFamily="34" charset="-122"/>
+              <a:ea typeface="Microsoft YaHei UI" panose="020B0503020204020204" pitchFamily="34" charset="-122"/>
+              <a:cs typeface="+mj-cs"/>
+            </a:endParaRPr>
           </a:p>
         </p:txBody>
       </p:sp>
       <p:pic>
         <p:nvPicPr>
-          <p:cNvPr id="6" name="图片 5">
-            <a:extLst>
-              <a:ext uri="{FF2B5EF4-FFF2-40B4-BE49-F238E27FC236}">
-                <a16:creationId xmlns:a16="http://schemas.microsoft.com/office/drawing/2014/main" id="{F0AE988F-1133-084E-9D11-497C8D9D2CCC}"/>
-              </a:ext>
-            </a:extLst>
-          </p:cNvPr>
+          <p:cNvPr id="6" name="图片 5"/>
+          <p:cNvPicPr>
+            <a:picLocks noChangeAspect="1"/>
+          </p:cNvPicPr>
+          <p:nvPr/>
+        </p:nvPicPr>
+        <p:blipFill>
+          <a:blip r:embed="rId1"/>
+          <a:stretch>
+            <a:fillRect/>
+          </a:stretch>
+        </p:blipFill>
+        <p:spPr>
+          <a:xfrm>
+            <a:off x="1371600" y="2602865"/>
+            <a:ext cx="5038090" cy="3737610"/>
+          </a:xfrm>
+          <a:prstGeom prst="rect">
+            <a:avLst/>
+          </a:prstGeom>
+        </p:spPr>
+      </p:pic>
+      <p:pic>
+        <p:nvPicPr>
+          <p:cNvPr id="9" name="图片 8"/>
+          <p:cNvPicPr>
+            <a:picLocks noChangeAspect="1"/>
+          </p:cNvPicPr>
+          <p:nvPr/>
+        </p:nvPicPr>
+        <p:blipFill>
+          <a:blip r:embed="rId2"/>
+          <a:stretch>
+            <a:fillRect/>
+          </a:stretch>
+        </p:blipFill>
+        <p:spPr>
+          <a:xfrm>
+            <a:off x="6784975" y="4598670"/>
+            <a:ext cx="4480560" cy="995680"/>
+          </a:xfrm>
+          <a:prstGeom prst="rect">
+            <a:avLst/>
+          </a:prstGeom>
+        </p:spPr>
+      </p:pic>
+      <p:pic>
+        <p:nvPicPr>
+          <p:cNvPr id="11" name="图片 10"/>
           <p:cNvPicPr>
             <a:picLocks noChangeAspect="1"/>
           </p:cNvPicPr>
@@ -7067,80 +7261,15 @@
         </p:blipFill>
         <p:spPr>
           <a:xfrm>
-            <a:off x="1371600" y="2156719"/>
-            <a:ext cx="5413463" cy="4015481"/>
+            <a:off x="6784975" y="3321685"/>
+            <a:ext cx="4480560" cy="1177925"/>
           </a:xfrm>
           <a:prstGeom prst="rect">
             <a:avLst/>
           </a:prstGeom>
         </p:spPr>
       </p:pic>
-      <p:pic>
-        <p:nvPicPr>
-          <p:cNvPr id="9" name="图片 8">
-            <a:extLst>
-              <a:ext uri="{FF2B5EF4-FFF2-40B4-BE49-F238E27FC236}">
-                <a16:creationId xmlns:a16="http://schemas.microsoft.com/office/drawing/2014/main" id="{6C365747-156A-4545-99EA-D588FEA520A9}"/>
-              </a:ext>
-            </a:extLst>
-          </p:cNvPr>
-          <p:cNvPicPr>
-            <a:picLocks noChangeAspect="1"/>
-          </p:cNvPicPr>
-          <p:nvPr/>
-        </p:nvPicPr>
-        <p:blipFill>
-          <a:blip r:embed="rId4"/>
-          <a:stretch>
-            <a:fillRect/>
-          </a:stretch>
-        </p:blipFill>
-        <p:spPr>
-          <a:xfrm>
-            <a:off x="6785064" y="3447021"/>
-            <a:ext cx="4927600" cy="1095022"/>
-          </a:xfrm>
-          <a:prstGeom prst="rect">
-            <a:avLst/>
-          </a:prstGeom>
-        </p:spPr>
-      </p:pic>
-      <p:pic>
-        <p:nvPicPr>
-          <p:cNvPr id="11" name="图片 10">
-            <a:extLst>
-              <a:ext uri="{FF2B5EF4-FFF2-40B4-BE49-F238E27FC236}">
-                <a16:creationId xmlns:a16="http://schemas.microsoft.com/office/drawing/2014/main" id="{2CCB32B0-EFB6-3545-B009-9942C29B0459}"/>
-              </a:ext>
-            </a:extLst>
-          </p:cNvPr>
-          <p:cNvPicPr>
-            <a:picLocks noChangeAspect="1"/>
-          </p:cNvPicPr>
-          <p:nvPr/>
-        </p:nvPicPr>
-        <p:blipFill>
-          <a:blip r:embed="rId5"/>
-          <a:stretch>
-            <a:fillRect/>
-          </a:stretch>
-        </p:blipFill>
-        <p:spPr>
-          <a:xfrm>
-            <a:off x="6785063" y="2151621"/>
-            <a:ext cx="4927600" cy="1295400"/>
-          </a:xfrm>
-          <a:prstGeom prst="rect">
-            <a:avLst/>
-          </a:prstGeom>
-        </p:spPr>
-      </p:pic>
     </p:spTree>
-    <p:extLst>
-      <p:ext uri="{BB962C8B-B14F-4D97-AF65-F5344CB8AC3E}">
-        <p14:creationId xmlns:p14="http://schemas.microsoft.com/office/powerpoint/2010/main" val="3723391479"/>
-      </p:ext>
-    </p:extLst>
   </p:cSld>
   <p:clrMapOvr>
     <a:masterClrMapping/>
@@ -7191,7 +7320,7 @@
     </a:clrScheme>
     <a:fontScheme name="Crop">
       <a:majorFont>
-        <a:latin typeface="Franklin Gothic Book" panose="020B0503020102020204"/>
+        <a:latin typeface="Franklin Gothic Book"/>
         <a:ea typeface=""/>
         <a:cs typeface=""/>
         <a:font script="Jpan" typeface="メイリオ"/>
@@ -7226,7 +7355,7 @@
         <a:font script="Geor" typeface="Sylfaen"/>
       </a:majorFont>
       <a:minorFont>
-        <a:latin typeface="Franklin Gothic Book" panose="020B0503020102020204"/>
+        <a:latin typeface="Franklin Gothic Book"/>
         <a:ea typeface=""/>
         <a:cs typeface=""/>
         <a:font script="Jpan" typeface="メイリオ"/>
@@ -7396,11 +7525,9 @@
       </a:bgFillStyleLst>
     </a:fmtScheme>
   </a:themeElements>
-  <a:objectDefaults/>
-  <a:extraClrSchemeLst/>
   <a:extLst>
     <a:ext uri="{05A4C25C-085E-4340-85A3-A5531E510DB2}">
-      <thm15:themeFamily xmlns:thm15="http://schemas.microsoft.com/office/thememl/2012/main" name="Crop" id="{EC9488ED-E761-4D60-9AC4-764D1FE2C171}" vid="{CE19780C-D67D-4C13-9DE9-A52BC3BA51B4}"/>
+      <thm15:themeFamily xmlns:thm15="http://schemas.microsoft.com/office/thememl/2012/main" name="Office Theme" id="{62F939B6-93AF-4DB8-9C6B-D6C7DFDC589F}" vid="{4A3C46E8-61CC-4603-A589-7422A47A8E4A}"/>
     </a:ext>
   </a:extLst>
 </a:theme>
@@ -7449,7 +7576,7 @@
     </a:clrScheme>
     <a:fontScheme name="Office">
       <a:majorFont>
-        <a:latin typeface="等线 Light" panose="020F0302020204030204"/>
+        <a:latin typeface="等线 Light"/>
         <a:ea typeface=""/>
         <a:cs typeface=""/>
         <a:font script="Jpan" typeface="游ゴシック Light"/>
@@ -7482,26 +7609,9 @@
         <a:font script="Viet" typeface="Times New Roman"/>
         <a:font script="Uigh" typeface="Microsoft Uighur"/>
         <a:font script="Geor" typeface="Sylfaen"/>
-        <a:font script="Armn" typeface="Arial"/>
-        <a:font script="Bugi" typeface="Leelawadee UI"/>
-        <a:font script="Bopo" typeface="Microsoft JhengHei"/>
-        <a:font script="Java" typeface="Javanese Text"/>
-        <a:font script="Lisu" typeface="Segoe UI"/>
-        <a:font script="Mymr" typeface="Myanmar Text"/>
-        <a:font script="Nkoo" typeface="Ebrima"/>
-        <a:font script="Olck" typeface="Nirmala UI"/>
-        <a:font script="Osma" typeface="Ebrima"/>
-        <a:font script="Phag" typeface="Phagspa"/>
-        <a:font script="Syrn" typeface="Estrangelo Edessa"/>
-        <a:font script="Syrj" typeface="Estrangelo Edessa"/>
-        <a:font script="Syre" typeface="Estrangelo Edessa"/>
-        <a:font script="Sora" typeface="Nirmala UI"/>
-        <a:font script="Tale" typeface="Microsoft Tai Le"/>
-        <a:font script="Talu" typeface="Microsoft New Tai Lue"/>
-        <a:font script="Tfng" typeface="Ebrima"/>
       </a:majorFont>
       <a:minorFont>
-        <a:latin typeface="等线" panose="020F0502020204030204"/>
+        <a:latin typeface="等线"/>
         <a:ea typeface=""/>
         <a:cs typeface=""/>
         <a:font script="Jpan" typeface="游ゴシック"/>
@@ -7534,23 +7644,6 @@
         <a:font script="Viet" typeface="Arial"/>
         <a:font script="Uigh" typeface="Microsoft Uighur"/>
         <a:font script="Geor" typeface="Sylfaen"/>
-        <a:font script="Armn" typeface="Arial"/>
-        <a:font script="Bugi" typeface="Leelawadee UI"/>
-        <a:font script="Bopo" typeface="Microsoft JhengHei"/>
-        <a:font script="Java" typeface="Javanese Text"/>
-        <a:font script="Lisu" typeface="Segoe UI"/>
-        <a:font script="Mymr" typeface="Myanmar Text"/>
-        <a:font script="Nkoo" typeface="Ebrima"/>
-        <a:font script="Olck" typeface="Nirmala UI"/>
-        <a:font script="Osma" typeface="Ebrima"/>
-        <a:font script="Phag" typeface="Phagspa"/>
-        <a:font script="Syrn" typeface="Estrangelo Edessa"/>
-        <a:font script="Syrj" typeface="Estrangelo Edessa"/>
-        <a:font script="Syre" typeface="Estrangelo Edessa"/>
-        <a:font script="Sora" typeface="Nirmala UI"/>
-        <a:font script="Tale" typeface="Microsoft Tai Le"/>
-        <a:font script="Talu" typeface="Microsoft New Tai Lue"/>
-        <a:font script="Tfng" typeface="Ebrima"/>
       </a:minorFont>
     </a:fontScheme>
     <a:fmtScheme name="Office">
@@ -7691,8 +7784,6 @@
       </a:bgFillStyleLst>
     </a:fmtScheme>
   </a:themeElements>
-  <a:objectDefaults/>
-  <a:extraClrSchemeLst/>
   <a:extLst>
     <a:ext uri="{05A4C25C-085E-4340-85A3-A5531E510DB2}">
       <thm15:themeFamily xmlns:thm15="http://schemas.microsoft.com/office/thememl/2012/main" name="Office Theme" id="{62F939B6-93AF-4DB8-9C6B-D6C7DFDC589F}" vid="{4A3C46E8-61CC-4603-A589-7422A47A8E4A}"/>
